--- a/PPT2.pptx
+++ b/PPT2.pptx
@@ -3656,7 +3656,7 @@
                             </p:stCondLst>
                             <p:childTnLst>
                               <p:par>
-                                <p:cTn id="5" presetID="10" presetClass="entr" presetSubtype="0" fill="hold" nodeType="withEffect">
+                                <p:cTn id="5" presetID="42" presetClass="entr" presetSubtype="0" fill="hold" nodeType="withEffect">
                                   <p:stCondLst>
                                     <p:cond delay="0"/>
                                   </p:stCondLst>
@@ -3681,12 +3681,463 @@
                                     </p:set>
                                     <p:animEffect transition="in" filter="fade">
                                       <p:cBhvr>
-                                        <p:cTn id="7" dur="500"/>
+                                        <p:cTn id="7" dur="1000"/>
                                         <p:tgtEl>
                                           <p:spTgt spid="9"/>
                                         </p:tgtEl>
                                       </p:cBhvr>
                                     </p:animEffect>
+                                    <p:anim calcmode="lin" valueType="num">
+                                      <p:cBhvr>
+                                        <p:cTn id="8" dur="1000" fill="hold"/>
+                                        <p:tgtEl>
+                                          <p:spTgt spid="9"/>
+                                        </p:tgtEl>
+                                        <p:attrNameLst>
+                                          <p:attrName>ppt_x</p:attrName>
+                                        </p:attrNameLst>
+                                      </p:cBhvr>
+                                      <p:tavLst>
+                                        <p:tav tm="0">
+                                          <p:val>
+                                            <p:strVal val="#ppt_x"/>
+                                          </p:val>
+                                        </p:tav>
+                                        <p:tav tm="100000">
+                                          <p:val>
+                                            <p:strVal val="#ppt_x"/>
+                                          </p:val>
+                                        </p:tav>
+                                      </p:tavLst>
+                                    </p:anim>
+                                    <p:anim calcmode="lin" valueType="num">
+                                      <p:cBhvr>
+                                        <p:cTn id="9" dur="1000" fill="hold"/>
+                                        <p:tgtEl>
+                                          <p:spTgt spid="9"/>
+                                        </p:tgtEl>
+                                        <p:attrNameLst>
+                                          <p:attrName>ppt_y</p:attrName>
+                                        </p:attrNameLst>
+                                      </p:cBhvr>
+                                      <p:tavLst>
+                                        <p:tav tm="0">
+                                          <p:val>
+                                            <p:strVal val="#ppt_y+.1"/>
+                                          </p:val>
+                                        </p:tav>
+                                        <p:tav tm="100000">
+                                          <p:val>
+                                            <p:strVal val="#ppt_y"/>
+                                          </p:val>
+                                        </p:tav>
+                                      </p:tavLst>
+                                    </p:anim>
+                                  </p:childTnLst>
+                                </p:cTn>
+                              </p:par>
+                              <p:par>
+                                <p:cTn id="10" presetID="42" presetClass="entr" presetSubtype="0" fill="hold" grpId="0" nodeType="withEffect">
+                                  <p:stCondLst>
+                                    <p:cond delay="0"/>
+                                  </p:stCondLst>
+                                  <p:childTnLst>
+                                    <p:set>
+                                      <p:cBhvr>
+                                        <p:cTn id="11" dur="1" fill="hold">
+                                          <p:stCondLst>
+                                            <p:cond delay="0"/>
+                                          </p:stCondLst>
+                                        </p:cTn>
+                                        <p:tgtEl>
+                                          <p:spTgt spid="4"/>
+                                        </p:tgtEl>
+                                        <p:attrNameLst>
+                                          <p:attrName>style.visibility</p:attrName>
+                                        </p:attrNameLst>
+                                      </p:cBhvr>
+                                      <p:to>
+                                        <p:strVal val="visible"/>
+                                      </p:to>
+                                    </p:set>
+                                    <p:animEffect transition="in" filter="fade">
+                                      <p:cBhvr>
+                                        <p:cTn id="12" dur="1000"/>
+                                        <p:tgtEl>
+                                          <p:spTgt spid="4"/>
+                                        </p:tgtEl>
+                                      </p:cBhvr>
+                                    </p:animEffect>
+                                    <p:anim calcmode="lin" valueType="num">
+                                      <p:cBhvr>
+                                        <p:cTn id="13" dur="1000" fill="hold"/>
+                                        <p:tgtEl>
+                                          <p:spTgt spid="4"/>
+                                        </p:tgtEl>
+                                        <p:attrNameLst>
+                                          <p:attrName>ppt_x</p:attrName>
+                                        </p:attrNameLst>
+                                      </p:cBhvr>
+                                      <p:tavLst>
+                                        <p:tav tm="0">
+                                          <p:val>
+                                            <p:strVal val="#ppt_x"/>
+                                          </p:val>
+                                        </p:tav>
+                                        <p:tav tm="100000">
+                                          <p:val>
+                                            <p:strVal val="#ppt_x"/>
+                                          </p:val>
+                                        </p:tav>
+                                      </p:tavLst>
+                                    </p:anim>
+                                    <p:anim calcmode="lin" valueType="num">
+                                      <p:cBhvr>
+                                        <p:cTn id="14" dur="1000" fill="hold"/>
+                                        <p:tgtEl>
+                                          <p:spTgt spid="4"/>
+                                        </p:tgtEl>
+                                        <p:attrNameLst>
+                                          <p:attrName>ppt_y</p:attrName>
+                                        </p:attrNameLst>
+                                      </p:cBhvr>
+                                      <p:tavLst>
+                                        <p:tav tm="0">
+                                          <p:val>
+                                            <p:strVal val="#ppt_y+.1"/>
+                                          </p:val>
+                                        </p:tav>
+                                        <p:tav tm="100000">
+                                          <p:val>
+                                            <p:strVal val="#ppt_y"/>
+                                          </p:val>
+                                        </p:tav>
+                                      </p:tavLst>
+                                    </p:anim>
+                                  </p:childTnLst>
+                                </p:cTn>
+                              </p:par>
+                              <p:par>
+                                <p:cTn id="15" presetID="42" presetClass="entr" presetSubtype="0" fill="hold" grpId="0" nodeType="withEffect">
+                                  <p:stCondLst>
+                                    <p:cond delay="0"/>
+                                  </p:stCondLst>
+                                  <p:childTnLst>
+                                    <p:set>
+                                      <p:cBhvr>
+                                        <p:cTn id="16" dur="1" fill="hold">
+                                          <p:stCondLst>
+                                            <p:cond delay="0"/>
+                                          </p:stCondLst>
+                                        </p:cTn>
+                                        <p:tgtEl>
+                                          <p:spTgt spid="5"/>
+                                        </p:tgtEl>
+                                        <p:attrNameLst>
+                                          <p:attrName>style.visibility</p:attrName>
+                                        </p:attrNameLst>
+                                      </p:cBhvr>
+                                      <p:to>
+                                        <p:strVal val="visible"/>
+                                      </p:to>
+                                    </p:set>
+                                    <p:animEffect transition="in" filter="fade">
+                                      <p:cBhvr>
+                                        <p:cTn id="17" dur="1000"/>
+                                        <p:tgtEl>
+                                          <p:spTgt spid="5"/>
+                                        </p:tgtEl>
+                                      </p:cBhvr>
+                                    </p:animEffect>
+                                    <p:anim calcmode="lin" valueType="num">
+                                      <p:cBhvr>
+                                        <p:cTn id="18" dur="1000" fill="hold"/>
+                                        <p:tgtEl>
+                                          <p:spTgt spid="5"/>
+                                        </p:tgtEl>
+                                        <p:attrNameLst>
+                                          <p:attrName>ppt_x</p:attrName>
+                                        </p:attrNameLst>
+                                      </p:cBhvr>
+                                      <p:tavLst>
+                                        <p:tav tm="0">
+                                          <p:val>
+                                            <p:strVal val="#ppt_x"/>
+                                          </p:val>
+                                        </p:tav>
+                                        <p:tav tm="100000">
+                                          <p:val>
+                                            <p:strVal val="#ppt_x"/>
+                                          </p:val>
+                                        </p:tav>
+                                      </p:tavLst>
+                                    </p:anim>
+                                    <p:anim calcmode="lin" valueType="num">
+                                      <p:cBhvr>
+                                        <p:cTn id="19" dur="1000" fill="hold"/>
+                                        <p:tgtEl>
+                                          <p:spTgt spid="5"/>
+                                        </p:tgtEl>
+                                        <p:attrNameLst>
+                                          <p:attrName>ppt_y</p:attrName>
+                                        </p:attrNameLst>
+                                      </p:cBhvr>
+                                      <p:tavLst>
+                                        <p:tav tm="0">
+                                          <p:val>
+                                            <p:strVal val="#ppt_y+.1"/>
+                                          </p:val>
+                                        </p:tav>
+                                        <p:tav tm="100000">
+                                          <p:val>
+                                            <p:strVal val="#ppt_y"/>
+                                          </p:val>
+                                        </p:tav>
+                                      </p:tavLst>
+                                    </p:anim>
+                                  </p:childTnLst>
+                                </p:cTn>
+                              </p:par>
+                              <p:par>
+                                <p:cTn id="20" presetID="42" presetClass="entr" presetSubtype="0" fill="hold" grpId="0" nodeType="withEffect">
+                                  <p:stCondLst>
+                                    <p:cond delay="0"/>
+                                  </p:stCondLst>
+                                  <p:childTnLst>
+                                    <p:set>
+                                      <p:cBhvr>
+                                        <p:cTn id="21" dur="1" fill="hold">
+                                          <p:stCondLst>
+                                            <p:cond delay="0"/>
+                                          </p:stCondLst>
+                                        </p:cTn>
+                                        <p:tgtEl>
+                                          <p:spTgt spid="6"/>
+                                        </p:tgtEl>
+                                        <p:attrNameLst>
+                                          <p:attrName>style.visibility</p:attrName>
+                                        </p:attrNameLst>
+                                      </p:cBhvr>
+                                      <p:to>
+                                        <p:strVal val="visible"/>
+                                      </p:to>
+                                    </p:set>
+                                    <p:animEffect transition="in" filter="fade">
+                                      <p:cBhvr>
+                                        <p:cTn id="22" dur="1000"/>
+                                        <p:tgtEl>
+                                          <p:spTgt spid="6"/>
+                                        </p:tgtEl>
+                                      </p:cBhvr>
+                                    </p:animEffect>
+                                    <p:anim calcmode="lin" valueType="num">
+                                      <p:cBhvr>
+                                        <p:cTn id="23" dur="1000" fill="hold"/>
+                                        <p:tgtEl>
+                                          <p:spTgt spid="6"/>
+                                        </p:tgtEl>
+                                        <p:attrNameLst>
+                                          <p:attrName>ppt_x</p:attrName>
+                                        </p:attrNameLst>
+                                      </p:cBhvr>
+                                      <p:tavLst>
+                                        <p:tav tm="0">
+                                          <p:val>
+                                            <p:strVal val="#ppt_x"/>
+                                          </p:val>
+                                        </p:tav>
+                                        <p:tav tm="100000">
+                                          <p:val>
+                                            <p:strVal val="#ppt_x"/>
+                                          </p:val>
+                                        </p:tav>
+                                      </p:tavLst>
+                                    </p:anim>
+                                    <p:anim calcmode="lin" valueType="num">
+                                      <p:cBhvr>
+                                        <p:cTn id="24" dur="1000" fill="hold"/>
+                                        <p:tgtEl>
+                                          <p:spTgt spid="6"/>
+                                        </p:tgtEl>
+                                        <p:attrNameLst>
+                                          <p:attrName>ppt_y</p:attrName>
+                                        </p:attrNameLst>
+                                      </p:cBhvr>
+                                      <p:tavLst>
+                                        <p:tav tm="0">
+                                          <p:val>
+                                            <p:strVal val="#ppt_y+.1"/>
+                                          </p:val>
+                                        </p:tav>
+                                        <p:tav tm="100000">
+                                          <p:val>
+                                            <p:strVal val="#ppt_y"/>
+                                          </p:val>
+                                        </p:tav>
+                                      </p:tavLst>
+                                    </p:anim>
+                                  </p:childTnLst>
+                                </p:cTn>
+                              </p:par>
+                              <p:par>
+                                <p:cTn id="25" presetID="42" presetClass="entr" presetSubtype="0" fill="hold" grpId="0" nodeType="withEffect">
+                                  <p:stCondLst>
+                                    <p:cond delay="0"/>
+                                  </p:stCondLst>
+                                  <p:childTnLst>
+                                    <p:set>
+                                      <p:cBhvr>
+                                        <p:cTn id="26" dur="1" fill="hold">
+                                          <p:stCondLst>
+                                            <p:cond delay="0"/>
+                                          </p:stCondLst>
+                                        </p:cTn>
+                                        <p:tgtEl>
+                                          <p:spTgt spid="7"/>
+                                        </p:tgtEl>
+                                        <p:attrNameLst>
+                                          <p:attrName>style.visibility</p:attrName>
+                                        </p:attrNameLst>
+                                      </p:cBhvr>
+                                      <p:to>
+                                        <p:strVal val="visible"/>
+                                      </p:to>
+                                    </p:set>
+                                    <p:animEffect transition="in" filter="fade">
+                                      <p:cBhvr>
+                                        <p:cTn id="27" dur="1000"/>
+                                        <p:tgtEl>
+                                          <p:spTgt spid="7"/>
+                                        </p:tgtEl>
+                                      </p:cBhvr>
+                                    </p:animEffect>
+                                    <p:anim calcmode="lin" valueType="num">
+                                      <p:cBhvr>
+                                        <p:cTn id="28" dur="1000" fill="hold"/>
+                                        <p:tgtEl>
+                                          <p:spTgt spid="7"/>
+                                        </p:tgtEl>
+                                        <p:attrNameLst>
+                                          <p:attrName>ppt_x</p:attrName>
+                                        </p:attrNameLst>
+                                      </p:cBhvr>
+                                      <p:tavLst>
+                                        <p:tav tm="0">
+                                          <p:val>
+                                            <p:strVal val="#ppt_x"/>
+                                          </p:val>
+                                        </p:tav>
+                                        <p:tav tm="100000">
+                                          <p:val>
+                                            <p:strVal val="#ppt_x"/>
+                                          </p:val>
+                                        </p:tav>
+                                      </p:tavLst>
+                                    </p:anim>
+                                    <p:anim calcmode="lin" valueType="num">
+                                      <p:cBhvr>
+                                        <p:cTn id="29" dur="1000" fill="hold"/>
+                                        <p:tgtEl>
+                                          <p:spTgt spid="7"/>
+                                        </p:tgtEl>
+                                        <p:attrNameLst>
+                                          <p:attrName>ppt_y</p:attrName>
+                                        </p:attrNameLst>
+                                      </p:cBhvr>
+                                      <p:tavLst>
+                                        <p:tav tm="0">
+                                          <p:val>
+                                            <p:strVal val="#ppt_y+.1"/>
+                                          </p:val>
+                                        </p:tav>
+                                        <p:tav tm="100000">
+                                          <p:val>
+                                            <p:strVal val="#ppt_y"/>
+                                          </p:val>
+                                        </p:tav>
+                                      </p:tavLst>
+                                    </p:anim>
+                                  </p:childTnLst>
+                                </p:cTn>
+                              </p:par>
+                              <p:par>
+                                <p:cTn id="30" presetID="42" presetClass="entr" presetSubtype="0" fill="hold" grpId="0" nodeType="withEffect">
+                                  <p:stCondLst>
+                                    <p:cond delay="0"/>
+                                  </p:stCondLst>
+                                  <p:childTnLst>
+                                    <p:set>
+                                      <p:cBhvr>
+                                        <p:cTn id="31" dur="1" fill="hold">
+                                          <p:stCondLst>
+                                            <p:cond delay="0"/>
+                                          </p:stCondLst>
+                                        </p:cTn>
+                                        <p:tgtEl>
+                                          <p:spTgt spid="8"/>
+                                        </p:tgtEl>
+                                        <p:attrNameLst>
+                                          <p:attrName>style.visibility</p:attrName>
+                                        </p:attrNameLst>
+                                      </p:cBhvr>
+                                      <p:to>
+                                        <p:strVal val="visible"/>
+                                      </p:to>
+                                    </p:set>
+                                    <p:animEffect transition="in" filter="fade">
+                                      <p:cBhvr>
+                                        <p:cTn id="32" dur="1000"/>
+                                        <p:tgtEl>
+                                          <p:spTgt spid="8"/>
+                                        </p:tgtEl>
+                                      </p:cBhvr>
+                                    </p:animEffect>
+                                    <p:anim calcmode="lin" valueType="num">
+                                      <p:cBhvr>
+                                        <p:cTn id="33" dur="1000" fill="hold"/>
+                                        <p:tgtEl>
+                                          <p:spTgt spid="8"/>
+                                        </p:tgtEl>
+                                        <p:attrNameLst>
+                                          <p:attrName>ppt_x</p:attrName>
+                                        </p:attrNameLst>
+                                      </p:cBhvr>
+                                      <p:tavLst>
+                                        <p:tav tm="0">
+                                          <p:val>
+                                            <p:strVal val="#ppt_x"/>
+                                          </p:val>
+                                        </p:tav>
+                                        <p:tav tm="100000">
+                                          <p:val>
+                                            <p:strVal val="#ppt_x"/>
+                                          </p:val>
+                                        </p:tav>
+                                      </p:tavLst>
+                                    </p:anim>
+                                    <p:anim calcmode="lin" valueType="num">
+                                      <p:cBhvr>
+                                        <p:cTn id="34" dur="1000" fill="hold"/>
+                                        <p:tgtEl>
+                                          <p:spTgt spid="8"/>
+                                        </p:tgtEl>
+                                        <p:attrNameLst>
+                                          <p:attrName>ppt_y</p:attrName>
+                                        </p:attrNameLst>
+                                      </p:cBhvr>
+                                      <p:tavLst>
+                                        <p:tav tm="0">
+                                          <p:val>
+                                            <p:strVal val="#ppt_y+.1"/>
+                                          </p:val>
+                                        </p:tav>
+                                        <p:tav tm="100000">
+                                          <p:val>
+                                            <p:strVal val="#ppt_y"/>
+                                          </p:val>
+                                        </p:tav>
+                                      </p:tavLst>
+                                    </p:anim>
                                   </p:childTnLst>
                                 </p:cTn>
                               </p:par>
@@ -3717,6 +4168,13 @@
         </p:cTn>
       </p:par>
     </p:tnLst>
+    <p:bldLst>
+      <p:bldP spid="4" grpId="0"/>
+      <p:bldP spid="5" grpId="0"/>
+      <p:bldP spid="6" grpId="0"/>
+      <p:bldP spid="7" grpId="0"/>
+      <p:bldP spid="8" grpId="0"/>
+    </p:bldLst>
   </p:timing>
 </p:sld>
 </file>
@@ -3766,7 +4224,7 @@
         </p:nvSpPr>
         <p:spPr>
           <a:xfrm>
-            <a:off x="1937544" y="5511800"/>
+            <a:off x="1937544" y="6934200"/>
             <a:ext cx="7645400" cy="1549400"/>
           </a:xfrm>
           <a:prstGeom prst="rect">
@@ -3818,7 +4276,7 @@
         </p:nvSpPr>
         <p:spPr>
           <a:xfrm>
-            <a:off x="2382044" y="5901779"/>
+            <a:off x="2382044" y="7324179"/>
             <a:ext cx="6756400" cy="769441"/>
           </a:xfrm>
           <a:prstGeom prst="rect">
@@ -3960,100 +4418,6 @@
           </a:p>
         </p:txBody>
       </p:sp>
-      <p:sp>
-        <p:nvSpPr>
-          <p:cNvPr id="8" name="矩形 7">
-            <a:extLst>
-              <a:ext uri="{FF2B5EF4-FFF2-40B4-BE49-F238E27FC236}">
-                <a16:creationId xmlns:a16="http://schemas.microsoft.com/office/drawing/2014/main" id="{CA230129-A817-4E2D-8A2E-2B6685443B1F}"/>
-              </a:ext>
-            </a:extLst>
-          </p:cNvPr>
-          <p:cNvSpPr/>
-          <p:nvPr/>
-        </p:nvSpPr>
-        <p:spPr>
-          <a:xfrm>
-            <a:off x="1937544" y="7823365"/>
-            <a:ext cx="7645400" cy="1549400"/>
-          </a:xfrm>
-          <a:prstGeom prst="rect">
-            <a:avLst/>
-          </a:prstGeom>
-          <a:noFill/>
-          <a:ln>
-            <a:solidFill>
-              <a:schemeClr val="bg1"/>
-            </a:solidFill>
-          </a:ln>
-        </p:spPr>
-        <p:style>
-          <a:lnRef idx="2">
-            <a:schemeClr val="accent1">
-              <a:shade val="50000"/>
-            </a:schemeClr>
-          </a:lnRef>
-          <a:fillRef idx="1">
-            <a:schemeClr val="accent1"/>
-          </a:fillRef>
-          <a:effectRef idx="0">
-            <a:schemeClr val="accent1"/>
-          </a:effectRef>
-          <a:fontRef idx="minor">
-            <a:schemeClr val="lt1"/>
-          </a:fontRef>
-        </p:style>
-        <p:txBody>
-          <a:bodyPr rtlCol="0" anchor="ctr"/>
-          <a:lstStyle/>
-          <a:p>
-            <a:pPr algn="ctr"/>
-            <a:endParaRPr lang="zh-CN" altLang="en-US"/>
-          </a:p>
-        </p:txBody>
-      </p:sp>
-      <p:sp>
-        <p:nvSpPr>
-          <p:cNvPr id="9" name="文本框 8">
-            <a:extLst>
-              <a:ext uri="{FF2B5EF4-FFF2-40B4-BE49-F238E27FC236}">
-                <a16:creationId xmlns:a16="http://schemas.microsoft.com/office/drawing/2014/main" id="{B0FE3873-81C4-45F0-AAE2-3EAA0EDC3DEE}"/>
-              </a:ext>
-            </a:extLst>
-          </p:cNvPr>
-          <p:cNvSpPr txBox="1"/>
-          <p:nvPr/>
-        </p:nvSpPr>
-        <p:spPr>
-          <a:xfrm>
-            <a:off x="2382044" y="8213344"/>
-            <a:ext cx="6756400" cy="769441"/>
-          </a:xfrm>
-          <a:prstGeom prst="rect">
-            <a:avLst/>
-          </a:prstGeom>
-          <a:noFill/>
-        </p:spPr>
-        <p:txBody>
-          <a:bodyPr wrap="square" rtlCol="0">
-            <a:spAutoFit/>
-          </a:bodyPr>
-          <a:lstStyle/>
-          <a:p>
-            <a:pPr algn="ctr"/>
-            <a:r>
-              <a:rPr lang="zh-CN" altLang="en-US" sz="4400" b="1" dirty="0">
-                <a:solidFill>
-                  <a:schemeClr val="bg1"/>
-                </a:solidFill>
-                <a:latin typeface="Arial" panose="020B0604020202020204" pitchFamily="34" charset="0"/>
-                <a:cs typeface="Arial" panose="020B0604020202020204" pitchFamily="34" charset="0"/>
-              </a:rPr>
-              <a:t>输入姓名</a:t>
-            </a:r>
-          </a:p>
-        </p:txBody>
-      </p:sp>
     </p:spTree>
     <p:extLst>
       <p:ext uri="{BB962C8B-B14F-4D97-AF65-F5344CB8AC3E}">
@@ -4064,6 +4428,223 @@
   <p:clrMapOvr>
     <a:masterClrMapping/>
   </p:clrMapOvr>
+  <p:timing>
+    <p:tnLst>
+      <p:par>
+        <p:cTn id="1" dur="indefinite" restart="never" nodeType="tmRoot">
+          <p:childTnLst>
+            <p:seq concurrent="1" nextAc="seek">
+              <p:cTn id="2" dur="indefinite" nodeType="mainSeq">
+                <p:childTnLst>
+                  <p:par>
+                    <p:cTn id="3" fill="hold">
+                      <p:stCondLst>
+                        <p:cond delay="indefinite"/>
+                        <p:cond evt="onBegin" delay="0">
+                          <p:tn val="2"/>
+                        </p:cond>
+                      </p:stCondLst>
+                      <p:childTnLst>
+                        <p:par>
+                          <p:cTn id="4" fill="hold">
+                            <p:stCondLst>
+                              <p:cond delay="0"/>
+                            </p:stCondLst>
+                            <p:childTnLst>
+                              <p:par>
+                                <p:cTn id="5" presetID="42" presetClass="entr" presetSubtype="0" fill="hold" grpId="0" nodeType="withEffect">
+                                  <p:stCondLst>
+                                    <p:cond delay="0"/>
+                                  </p:stCondLst>
+                                  <p:childTnLst>
+                                    <p:set>
+                                      <p:cBhvr>
+                                        <p:cTn id="6" dur="1" fill="hold">
+                                          <p:stCondLst>
+                                            <p:cond delay="0"/>
+                                          </p:stCondLst>
+                                        </p:cTn>
+                                        <p:tgtEl>
+                                          <p:spTgt spid="4"/>
+                                        </p:tgtEl>
+                                        <p:attrNameLst>
+                                          <p:attrName>style.visibility</p:attrName>
+                                        </p:attrNameLst>
+                                      </p:cBhvr>
+                                      <p:to>
+                                        <p:strVal val="visible"/>
+                                      </p:to>
+                                    </p:set>
+                                    <p:animEffect transition="in" filter="fade">
+                                      <p:cBhvr>
+                                        <p:cTn id="7" dur="500"/>
+                                        <p:tgtEl>
+                                          <p:spTgt spid="4"/>
+                                        </p:tgtEl>
+                                      </p:cBhvr>
+                                    </p:animEffect>
+                                    <p:anim calcmode="lin" valueType="num">
+                                      <p:cBhvr>
+                                        <p:cTn id="8" dur="500" fill="hold"/>
+                                        <p:tgtEl>
+                                          <p:spTgt spid="4"/>
+                                        </p:tgtEl>
+                                        <p:attrNameLst>
+                                          <p:attrName>ppt_x</p:attrName>
+                                        </p:attrNameLst>
+                                      </p:cBhvr>
+                                      <p:tavLst>
+                                        <p:tav tm="0">
+                                          <p:val>
+                                            <p:strVal val="#ppt_x"/>
+                                          </p:val>
+                                        </p:tav>
+                                        <p:tav tm="100000">
+                                          <p:val>
+                                            <p:strVal val="#ppt_x"/>
+                                          </p:val>
+                                        </p:tav>
+                                      </p:tavLst>
+                                    </p:anim>
+                                    <p:anim calcmode="lin" valueType="num">
+                                      <p:cBhvr>
+                                        <p:cTn id="9" dur="500" fill="hold"/>
+                                        <p:tgtEl>
+                                          <p:spTgt spid="4"/>
+                                        </p:tgtEl>
+                                        <p:attrNameLst>
+                                          <p:attrName>ppt_y</p:attrName>
+                                        </p:attrNameLst>
+                                      </p:cBhvr>
+                                      <p:tavLst>
+                                        <p:tav tm="0">
+                                          <p:val>
+                                            <p:strVal val="#ppt_y+.1"/>
+                                          </p:val>
+                                        </p:tav>
+                                        <p:tav tm="100000">
+                                          <p:val>
+                                            <p:strVal val="#ppt_y"/>
+                                          </p:val>
+                                        </p:tav>
+                                      </p:tavLst>
+                                    </p:anim>
+                                  </p:childTnLst>
+                                </p:cTn>
+                              </p:par>
+                              <p:par>
+                                <p:cTn id="10" presetID="42" presetClass="entr" presetSubtype="0" fill="hold" grpId="0" nodeType="withEffect">
+                                  <p:stCondLst>
+                                    <p:cond delay="0"/>
+                                  </p:stCondLst>
+                                  <p:childTnLst>
+                                    <p:set>
+                                      <p:cBhvr>
+                                        <p:cTn id="11" dur="1" fill="hold">
+                                          <p:stCondLst>
+                                            <p:cond delay="0"/>
+                                          </p:stCondLst>
+                                        </p:cTn>
+                                        <p:tgtEl>
+                                          <p:spTgt spid="5"/>
+                                        </p:tgtEl>
+                                        <p:attrNameLst>
+                                          <p:attrName>style.visibility</p:attrName>
+                                        </p:attrNameLst>
+                                      </p:cBhvr>
+                                      <p:to>
+                                        <p:strVal val="visible"/>
+                                      </p:to>
+                                    </p:set>
+                                    <p:animEffect transition="in" filter="fade">
+                                      <p:cBhvr>
+                                        <p:cTn id="12" dur="500"/>
+                                        <p:tgtEl>
+                                          <p:spTgt spid="5"/>
+                                        </p:tgtEl>
+                                      </p:cBhvr>
+                                    </p:animEffect>
+                                    <p:anim calcmode="lin" valueType="num">
+                                      <p:cBhvr>
+                                        <p:cTn id="13" dur="500" fill="hold"/>
+                                        <p:tgtEl>
+                                          <p:spTgt spid="5"/>
+                                        </p:tgtEl>
+                                        <p:attrNameLst>
+                                          <p:attrName>ppt_x</p:attrName>
+                                        </p:attrNameLst>
+                                      </p:cBhvr>
+                                      <p:tavLst>
+                                        <p:tav tm="0">
+                                          <p:val>
+                                            <p:strVal val="#ppt_x"/>
+                                          </p:val>
+                                        </p:tav>
+                                        <p:tav tm="100000">
+                                          <p:val>
+                                            <p:strVal val="#ppt_x"/>
+                                          </p:val>
+                                        </p:tav>
+                                      </p:tavLst>
+                                    </p:anim>
+                                    <p:anim calcmode="lin" valueType="num">
+                                      <p:cBhvr>
+                                        <p:cTn id="14" dur="500" fill="hold"/>
+                                        <p:tgtEl>
+                                          <p:spTgt spid="5"/>
+                                        </p:tgtEl>
+                                        <p:attrNameLst>
+                                          <p:attrName>ppt_y</p:attrName>
+                                        </p:attrNameLst>
+                                      </p:cBhvr>
+                                      <p:tavLst>
+                                        <p:tav tm="0">
+                                          <p:val>
+                                            <p:strVal val="#ppt_y+.1"/>
+                                          </p:val>
+                                        </p:tav>
+                                        <p:tav tm="100000">
+                                          <p:val>
+                                            <p:strVal val="#ppt_y"/>
+                                          </p:val>
+                                        </p:tav>
+                                      </p:tavLst>
+                                    </p:anim>
+                                  </p:childTnLst>
+                                </p:cTn>
+                              </p:par>
+                            </p:childTnLst>
+                          </p:cTn>
+                        </p:par>
+                      </p:childTnLst>
+                    </p:cTn>
+                  </p:par>
+                </p:childTnLst>
+              </p:cTn>
+              <p:prevCondLst>
+                <p:cond evt="onPrev" delay="0">
+                  <p:tgtEl>
+                    <p:sldTgt/>
+                  </p:tgtEl>
+                </p:cond>
+              </p:prevCondLst>
+              <p:nextCondLst>
+                <p:cond evt="onNext" delay="0">
+                  <p:tgtEl>
+                    <p:sldTgt/>
+                  </p:tgtEl>
+                </p:cond>
+              </p:nextCondLst>
+            </p:seq>
+          </p:childTnLst>
+        </p:cTn>
+      </p:par>
+    </p:tnLst>
+    <p:bldLst>
+      <p:bldP spid="4" grpId="0" animBg="1"/>
+      <p:bldP spid="5" grpId="0"/>
+    </p:bldLst>
+  </p:timing>
 </p:sld>
 </file>
 
@@ -4529,6 +5110,678 @@
   <p:clrMapOvr>
     <a:masterClrMapping/>
   </p:clrMapOvr>
+  <p:timing>
+    <p:tnLst>
+      <p:par>
+        <p:cTn id="1" dur="indefinite" restart="never" nodeType="tmRoot">
+          <p:childTnLst>
+            <p:seq concurrent="1" nextAc="seek">
+              <p:cTn id="2" dur="indefinite" nodeType="mainSeq">
+                <p:childTnLst>
+                  <p:par>
+                    <p:cTn id="3" fill="hold">
+                      <p:stCondLst>
+                        <p:cond delay="indefinite"/>
+                        <p:cond evt="onBegin" delay="0">
+                          <p:tn val="2"/>
+                        </p:cond>
+                      </p:stCondLst>
+                      <p:childTnLst>
+                        <p:par>
+                          <p:cTn id="4" fill="hold">
+                            <p:stCondLst>
+                              <p:cond delay="0"/>
+                            </p:stCondLst>
+                            <p:childTnLst>
+                              <p:par>
+                                <p:cTn id="5" presetID="42" presetClass="entr" presetSubtype="0" fill="hold" grpId="0" nodeType="withEffect">
+                                  <p:stCondLst>
+                                    <p:cond delay="0"/>
+                                  </p:stCondLst>
+                                  <p:childTnLst>
+                                    <p:set>
+                                      <p:cBhvr>
+                                        <p:cTn id="6" dur="1" fill="hold">
+                                          <p:stCondLst>
+                                            <p:cond delay="0"/>
+                                          </p:stCondLst>
+                                        </p:cTn>
+                                        <p:tgtEl>
+                                          <p:spTgt spid="4"/>
+                                        </p:tgtEl>
+                                        <p:attrNameLst>
+                                          <p:attrName>style.visibility</p:attrName>
+                                        </p:attrNameLst>
+                                      </p:cBhvr>
+                                      <p:to>
+                                        <p:strVal val="visible"/>
+                                      </p:to>
+                                    </p:set>
+                                    <p:animEffect transition="in" filter="fade">
+                                      <p:cBhvr>
+                                        <p:cTn id="7" dur="500"/>
+                                        <p:tgtEl>
+                                          <p:spTgt spid="4"/>
+                                        </p:tgtEl>
+                                      </p:cBhvr>
+                                    </p:animEffect>
+                                    <p:anim calcmode="lin" valueType="num">
+                                      <p:cBhvr>
+                                        <p:cTn id="8" dur="500" fill="hold"/>
+                                        <p:tgtEl>
+                                          <p:spTgt spid="4"/>
+                                        </p:tgtEl>
+                                        <p:attrNameLst>
+                                          <p:attrName>ppt_x</p:attrName>
+                                        </p:attrNameLst>
+                                      </p:cBhvr>
+                                      <p:tavLst>
+                                        <p:tav tm="0">
+                                          <p:val>
+                                            <p:strVal val="#ppt_x"/>
+                                          </p:val>
+                                        </p:tav>
+                                        <p:tav tm="100000">
+                                          <p:val>
+                                            <p:strVal val="#ppt_x"/>
+                                          </p:val>
+                                        </p:tav>
+                                      </p:tavLst>
+                                    </p:anim>
+                                    <p:anim calcmode="lin" valueType="num">
+                                      <p:cBhvr>
+                                        <p:cTn id="9" dur="500" fill="hold"/>
+                                        <p:tgtEl>
+                                          <p:spTgt spid="4"/>
+                                        </p:tgtEl>
+                                        <p:attrNameLst>
+                                          <p:attrName>ppt_y</p:attrName>
+                                        </p:attrNameLst>
+                                      </p:cBhvr>
+                                      <p:tavLst>
+                                        <p:tav tm="0">
+                                          <p:val>
+                                            <p:strVal val="#ppt_y+.1"/>
+                                          </p:val>
+                                        </p:tav>
+                                        <p:tav tm="100000">
+                                          <p:val>
+                                            <p:strVal val="#ppt_y"/>
+                                          </p:val>
+                                        </p:tav>
+                                      </p:tavLst>
+                                    </p:anim>
+                                  </p:childTnLst>
+                                </p:cTn>
+                              </p:par>
+                              <p:par>
+                                <p:cTn id="10" presetID="42" presetClass="entr" presetSubtype="0" fill="hold" grpId="0" nodeType="withEffect">
+                                  <p:stCondLst>
+                                    <p:cond delay="0"/>
+                                  </p:stCondLst>
+                                  <p:childTnLst>
+                                    <p:set>
+                                      <p:cBhvr>
+                                        <p:cTn id="11" dur="1" fill="hold">
+                                          <p:stCondLst>
+                                            <p:cond delay="0"/>
+                                          </p:stCondLst>
+                                        </p:cTn>
+                                        <p:tgtEl>
+                                          <p:spTgt spid="5"/>
+                                        </p:tgtEl>
+                                        <p:attrNameLst>
+                                          <p:attrName>style.visibility</p:attrName>
+                                        </p:attrNameLst>
+                                      </p:cBhvr>
+                                      <p:to>
+                                        <p:strVal val="visible"/>
+                                      </p:to>
+                                    </p:set>
+                                    <p:animEffect transition="in" filter="fade">
+                                      <p:cBhvr>
+                                        <p:cTn id="12" dur="500"/>
+                                        <p:tgtEl>
+                                          <p:spTgt spid="5"/>
+                                        </p:tgtEl>
+                                      </p:cBhvr>
+                                    </p:animEffect>
+                                    <p:anim calcmode="lin" valueType="num">
+                                      <p:cBhvr>
+                                        <p:cTn id="13" dur="500" fill="hold"/>
+                                        <p:tgtEl>
+                                          <p:spTgt spid="5"/>
+                                        </p:tgtEl>
+                                        <p:attrNameLst>
+                                          <p:attrName>ppt_x</p:attrName>
+                                        </p:attrNameLst>
+                                      </p:cBhvr>
+                                      <p:tavLst>
+                                        <p:tav tm="0">
+                                          <p:val>
+                                            <p:strVal val="#ppt_x"/>
+                                          </p:val>
+                                        </p:tav>
+                                        <p:tav tm="100000">
+                                          <p:val>
+                                            <p:strVal val="#ppt_x"/>
+                                          </p:val>
+                                        </p:tav>
+                                      </p:tavLst>
+                                    </p:anim>
+                                    <p:anim calcmode="lin" valueType="num">
+                                      <p:cBhvr>
+                                        <p:cTn id="14" dur="500" fill="hold"/>
+                                        <p:tgtEl>
+                                          <p:spTgt spid="5"/>
+                                        </p:tgtEl>
+                                        <p:attrNameLst>
+                                          <p:attrName>ppt_y</p:attrName>
+                                        </p:attrNameLst>
+                                      </p:cBhvr>
+                                      <p:tavLst>
+                                        <p:tav tm="0">
+                                          <p:val>
+                                            <p:strVal val="#ppt_y+.1"/>
+                                          </p:val>
+                                        </p:tav>
+                                        <p:tav tm="100000">
+                                          <p:val>
+                                            <p:strVal val="#ppt_y"/>
+                                          </p:val>
+                                        </p:tav>
+                                      </p:tavLst>
+                                    </p:anim>
+                                  </p:childTnLst>
+                                </p:cTn>
+                              </p:par>
+                            </p:childTnLst>
+                          </p:cTn>
+                        </p:par>
+                        <p:par>
+                          <p:cTn id="15" fill="hold">
+                            <p:stCondLst>
+                              <p:cond delay="500"/>
+                            </p:stCondLst>
+                            <p:childTnLst>
+                              <p:par>
+                                <p:cTn id="16" presetID="42" presetClass="entr" presetSubtype="0" fill="hold" grpId="0" nodeType="afterEffect">
+                                  <p:stCondLst>
+                                    <p:cond delay="0"/>
+                                  </p:stCondLst>
+                                  <p:childTnLst>
+                                    <p:set>
+                                      <p:cBhvr>
+                                        <p:cTn id="17" dur="1" fill="hold">
+                                          <p:stCondLst>
+                                            <p:cond delay="0"/>
+                                          </p:stCondLst>
+                                        </p:cTn>
+                                        <p:tgtEl>
+                                          <p:spTgt spid="6"/>
+                                        </p:tgtEl>
+                                        <p:attrNameLst>
+                                          <p:attrName>style.visibility</p:attrName>
+                                        </p:attrNameLst>
+                                      </p:cBhvr>
+                                      <p:to>
+                                        <p:strVal val="visible"/>
+                                      </p:to>
+                                    </p:set>
+                                    <p:animEffect transition="in" filter="fade">
+                                      <p:cBhvr>
+                                        <p:cTn id="18" dur="500"/>
+                                        <p:tgtEl>
+                                          <p:spTgt spid="6"/>
+                                        </p:tgtEl>
+                                      </p:cBhvr>
+                                    </p:animEffect>
+                                    <p:anim calcmode="lin" valueType="num">
+                                      <p:cBhvr>
+                                        <p:cTn id="19" dur="500" fill="hold"/>
+                                        <p:tgtEl>
+                                          <p:spTgt spid="6"/>
+                                        </p:tgtEl>
+                                        <p:attrNameLst>
+                                          <p:attrName>ppt_x</p:attrName>
+                                        </p:attrNameLst>
+                                      </p:cBhvr>
+                                      <p:tavLst>
+                                        <p:tav tm="0">
+                                          <p:val>
+                                            <p:strVal val="#ppt_x"/>
+                                          </p:val>
+                                        </p:tav>
+                                        <p:tav tm="100000">
+                                          <p:val>
+                                            <p:strVal val="#ppt_x"/>
+                                          </p:val>
+                                        </p:tav>
+                                      </p:tavLst>
+                                    </p:anim>
+                                    <p:anim calcmode="lin" valueType="num">
+                                      <p:cBhvr>
+                                        <p:cTn id="20" dur="500" fill="hold"/>
+                                        <p:tgtEl>
+                                          <p:spTgt spid="6"/>
+                                        </p:tgtEl>
+                                        <p:attrNameLst>
+                                          <p:attrName>ppt_y</p:attrName>
+                                        </p:attrNameLst>
+                                      </p:cBhvr>
+                                      <p:tavLst>
+                                        <p:tav tm="0">
+                                          <p:val>
+                                            <p:strVal val="#ppt_y+.1"/>
+                                          </p:val>
+                                        </p:tav>
+                                        <p:tav tm="100000">
+                                          <p:val>
+                                            <p:strVal val="#ppt_y"/>
+                                          </p:val>
+                                        </p:tav>
+                                      </p:tavLst>
+                                    </p:anim>
+                                  </p:childTnLst>
+                                </p:cTn>
+                              </p:par>
+                            </p:childTnLst>
+                          </p:cTn>
+                        </p:par>
+                        <p:par>
+                          <p:cTn id="21" fill="hold">
+                            <p:stCondLst>
+                              <p:cond delay="1000"/>
+                            </p:stCondLst>
+                            <p:childTnLst>
+                              <p:par>
+                                <p:cTn id="22" presetID="42" presetClass="entr" presetSubtype="0" fill="hold" grpId="0" nodeType="afterEffect">
+                                  <p:stCondLst>
+                                    <p:cond delay="0"/>
+                                  </p:stCondLst>
+                                  <p:childTnLst>
+                                    <p:set>
+                                      <p:cBhvr>
+                                        <p:cTn id="23" dur="1" fill="hold">
+                                          <p:stCondLst>
+                                            <p:cond delay="0"/>
+                                          </p:stCondLst>
+                                        </p:cTn>
+                                        <p:tgtEl>
+                                          <p:spTgt spid="7"/>
+                                        </p:tgtEl>
+                                        <p:attrNameLst>
+                                          <p:attrName>style.visibility</p:attrName>
+                                        </p:attrNameLst>
+                                      </p:cBhvr>
+                                      <p:to>
+                                        <p:strVal val="visible"/>
+                                      </p:to>
+                                    </p:set>
+                                    <p:animEffect transition="in" filter="fade">
+                                      <p:cBhvr>
+                                        <p:cTn id="24" dur="500"/>
+                                        <p:tgtEl>
+                                          <p:spTgt spid="7"/>
+                                        </p:tgtEl>
+                                      </p:cBhvr>
+                                    </p:animEffect>
+                                    <p:anim calcmode="lin" valueType="num">
+                                      <p:cBhvr>
+                                        <p:cTn id="25" dur="500" fill="hold"/>
+                                        <p:tgtEl>
+                                          <p:spTgt spid="7"/>
+                                        </p:tgtEl>
+                                        <p:attrNameLst>
+                                          <p:attrName>ppt_x</p:attrName>
+                                        </p:attrNameLst>
+                                      </p:cBhvr>
+                                      <p:tavLst>
+                                        <p:tav tm="0">
+                                          <p:val>
+                                            <p:strVal val="#ppt_x"/>
+                                          </p:val>
+                                        </p:tav>
+                                        <p:tav tm="100000">
+                                          <p:val>
+                                            <p:strVal val="#ppt_x"/>
+                                          </p:val>
+                                        </p:tav>
+                                      </p:tavLst>
+                                    </p:anim>
+                                    <p:anim calcmode="lin" valueType="num">
+                                      <p:cBhvr>
+                                        <p:cTn id="26" dur="500" fill="hold"/>
+                                        <p:tgtEl>
+                                          <p:spTgt spid="7"/>
+                                        </p:tgtEl>
+                                        <p:attrNameLst>
+                                          <p:attrName>ppt_y</p:attrName>
+                                        </p:attrNameLst>
+                                      </p:cBhvr>
+                                      <p:tavLst>
+                                        <p:tav tm="0">
+                                          <p:val>
+                                            <p:strVal val="#ppt_y+.1"/>
+                                          </p:val>
+                                        </p:tav>
+                                        <p:tav tm="100000">
+                                          <p:val>
+                                            <p:strVal val="#ppt_y"/>
+                                          </p:val>
+                                        </p:tav>
+                                      </p:tavLst>
+                                    </p:anim>
+                                  </p:childTnLst>
+                                </p:cTn>
+                              </p:par>
+                            </p:childTnLst>
+                          </p:cTn>
+                        </p:par>
+                        <p:par>
+                          <p:cTn id="27" fill="hold">
+                            <p:stCondLst>
+                              <p:cond delay="1500"/>
+                            </p:stCondLst>
+                            <p:childTnLst>
+                              <p:par>
+                                <p:cTn id="28" presetID="42" presetClass="entr" presetSubtype="0" fill="hold" grpId="0" nodeType="afterEffect">
+                                  <p:stCondLst>
+                                    <p:cond delay="0"/>
+                                  </p:stCondLst>
+                                  <p:childTnLst>
+                                    <p:set>
+                                      <p:cBhvr>
+                                        <p:cTn id="29" dur="1" fill="hold">
+                                          <p:stCondLst>
+                                            <p:cond delay="0"/>
+                                          </p:stCondLst>
+                                        </p:cTn>
+                                        <p:tgtEl>
+                                          <p:spTgt spid="8"/>
+                                        </p:tgtEl>
+                                        <p:attrNameLst>
+                                          <p:attrName>style.visibility</p:attrName>
+                                        </p:attrNameLst>
+                                      </p:cBhvr>
+                                      <p:to>
+                                        <p:strVal val="visible"/>
+                                      </p:to>
+                                    </p:set>
+                                    <p:animEffect transition="in" filter="fade">
+                                      <p:cBhvr>
+                                        <p:cTn id="30" dur="500"/>
+                                        <p:tgtEl>
+                                          <p:spTgt spid="8"/>
+                                        </p:tgtEl>
+                                      </p:cBhvr>
+                                    </p:animEffect>
+                                    <p:anim calcmode="lin" valueType="num">
+                                      <p:cBhvr>
+                                        <p:cTn id="31" dur="500" fill="hold"/>
+                                        <p:tgtEl>
+                                          <p:spTgt spid="8"/>
+                                        </p:tgtEl>
+                                        <p:attrNameLst>
+                                          <p:attrName>ppt_x</p:attrName>
+                                        </p:attrNameLst>
+                                      </p:cBhvr>
+                                      <p:tavLst>
+                                        <p:tav tm="0">
+                                          <p:val>
+                                            <p:strVal val="#ppt_x"/>
+                                          </p:val>
+                                        </p:tav>
+                                        <p:tav tm="100000">
+                                          <p:val>
+                                            <p:strVal val="#ppt_x"/>
+                                          </p:val>
+                                        </p:tav>
+                                      </p:tavLst>
+                                    </p:anim>
+                                    <p:anim calcmode="lin" valueType="num">
+                                      <p:cBhvr>
+                                        <p:cTn id="32" dur="500" fill="hold"/>
+                                        <p:tgtEl>
+                                          <p:spTgt spid="8"/>
+                                        </p:tgtEl>
+                                        <p:attrNameLst>
+                                          <p:attrName>ppt_y</p:attrName>
+                                        </p:attrNameLst>
+                                      </p:cBhvr>
+                                      <p:tavLst>
+                                        <p:tav tm="0">
+                                          <p:val>
+                                            <p:strVal val="#ppt_y+.1"/>
+                                          </p:val>
+                                        </p:tav>
+                                        <p:tav tm="100000">
+                                          <p:val>
+                                            <p:strVal val="#ppt_y"/>
+                                          </p:val>
+                                        </p:tav>
+                                      </p:tavLst>
+                                    </p:anim>
+                                  </p:childTnLst>
+                                </p:cTn>
+                              </p:par>
+                            </p:childTnLst>
+                          </p:cTn>
+                        </p:par>
+                        <p:par>
+                          <p:cTn id="33" fill="hold">
+                            <p:stCondLst>
+                              <p:cond delay="2000"/>
+                            </p:stCondLst>
+                            <p:childTnLst>
+                              <p:par>
+                                <p:cTn id="34" presetID="42" presetClass="entr" presetSubtype="0" fill="hold" grpId="0" nodeType="afterEffect">
+                                  <p:stCondLst>
+                                    <p:cond delay="0"/>
+                                  </p:stCondLst>
+                                  <p:childTnLst>
+                                    <p:set>
+                                      <p:cBhvr>
+                                        <p:cTn id="35" dur="1" fill="hold">
+                                          <p:stCondLst>
+                                            <p:cond delay="0"/>
+                                          </p:stCondLst>
+                                        </p:cTn>
+                                        <p:tgtEl>
+                                          <p:spTgt spid="13"/>
+                                        </p:tgtEl>
+                                        <p:attrNameLst>
+                                          <p:attrName>style.visibility</p:attrName>
+                                        </p:attrNameLst>
+                                      </p:cBhvr>
+                                      <p:to>
+                                        <p:strVal val="visible"/>
+                                      </p:to>
+                                    </p:set>
+                                    <p:animEffect transition="in" filter="fade">
+                                      <p:cBhvr>
+                                        <p:cTn id="36" dur="1000"/>
+                                        <p:tgtEl>
+                                          <p:spTgt spid="13"/>
+                                        </p:tgtEl>
+                                      </p:cBhvr>
+                                    </p:animEffect>
+                                    <p:anim calcmode="lin" valueType="num">
+                                      <p:cBhvr>
+                                        <p:cTn id="37" dur="1000" fill="hold"/>
+                                        <p:tgtEl>
+                                          <p:spTgt spid="13"/>
+                                        </p:tgtEl>
+                                        <p:attrNameLst>
+                                          <p:attrName>ppt_x</p:attrName>
+                                        </p:attrNameLst>
+                                      </p:cBhvr>
+                                      <p:tavLst>
+                                        <p:tav tm="0">
+                                          <p:val>
+                                            <p:strVal val="#ppt_x"/>
+                                          </p:val>
+                                        </p:tav>
+                                        <p:tav tm="100000">
+                                          <p:val>
+                                            <p:strVal val="#ppt_x"/>
+                                          </p:val>
+                                        </p:tav>
+                                      </p:tavLst>
+                                    </p:anim>
+                                    <p:anim calcmode="lin" valueType="num">
+                                      <p:cBhvr>
+                                        <p:cTn id="38" dur="1000" fill="hold"/>
+                                        <p:tgtEl>
+                                          <p:spTgt spid="13"/>
+                                        </p:tgtEl>
+                                        <p:attrNameLst>
+                                          <p:attrName>ppt_y</p:attrName>
+                                        </p:attrNameLst>
+                                      </p:cBhvr>
+                                      <p:tavLst>
+                                        <p:tav tm="0">
+                                          <p:val>
+                                            <p:strVal val="#ppt_y+.1"/>
+                                          </p:val>
+                                        </p:tav>
+                                        <p:tav tm="100000">
+                                          <p:val>
+                                            <p:strVal val="#ppt_y"/>
+                                          </p:val>
+                                        </p:tav>
+                                      </p:tavLst>
+                                    </p:anim>
+                                  </p:childTnLst>
+                                </p:cTn>
+                              </p:par>
+                            </p:childTnLst>
+                          </p:cTn>
+                        </p:par>
+                        <p:par>
+                          <p:cTn id="39" fill="hold">
+                            <p:stCondLst>
+                              <p:cond delay="3000"/>
+                            </p:stCondLst>
+                            <p:childTnLst>
+                              <p:par>
+                                <p:cTn id="40" presetID="42" presetClass="entr" presetSubtype="0" fill="hold" grpId="0" nodeType="afterEffect">
+                                  <p:stCondLst>
+                                    <p:cond delay="0"/>
+                                  </p:stCondLst>
+                                  <p:childTnLst>
+                                    <p:set>
+                                      <p:cBhvr>
+                                        <p:cTn id="41" dur="1" fill="hold">
+                                          <p:stCondLst>
+                                            <p:cond delay="0"/>
+                                          </p:stCondLst>
+                                        </p:cTn>
+                                        <p:tgtEl>
+                                          <p:spTgt spid="14"/>
+                                        </p:tgtEl>
+                                        <p:attrNameLst>
+                                          <p:attrName>style.visibility</p:attrName>
+                                        </p:attrNameLst>
+                                      </p:cBhvr>
+                                      <p:to>
+                                        <p:strVal val="visible"/>
+                                      </p:to>
+                                    </p:set>
+                                    <p:animEffect transition="in" filter="fade">
+                                      <p:cBhvr>
+                                        <p:cTn id="42" dur="500"/>
+                                        <p:tgtEl>
+                                          <p:spTgt spid="14"/>
+                                        </p:tgtEl>
+                                      </p:cBhvr>
+                                    </p:animEffect>
+                                    <p:anim calcmode="lin" valueType="num">
+                                      <p:cBhvr>
+                                        <p:cTn id="43" dur="500" fill="hold"/>
+                                        <p:tgtEl>
+                                          <p:spTgt spid="14"/>
+                                        </p:tgtEl>
+                                        <p:attrNameLst>
+                                          <p:attrName>ppt_x</p:attrName>
+                                        </p:attrNameLst>
+                                      </p:cBhvr>
+                                      <p:tavLst>
+                                        <p:tav tm="0">
+                                          <p:val>
+                                            <p:strVal val="#ppt_x"/>
+                                          </p:val>
+                                        </p:tav>
+                                        <p:tav tm="100000">
+                                          <p:val>
+                                            <p:strVal val="#ppt_x"/>
+                                          </p:val>
+                                        </p:tav>
+                                      </p:tavLst>
+                                    </p:anim>
+                                    <p:anim calcmode="lin" valueType="num">
+                                      <p:cBhvr>
+                                        <p:cTn id="44" dur="500" fill="hold"/>
+                                        <p:tgtEl>
+                                          <p:spTgt spid="14"/>
+                                        </p:tgtEl>
+                                        <p:attrNameLst>
+                                          <p:attrName>ppt_y</p:attrName>
+                                        </p:attrNameLst>
+                                      </p:cBhvr>
+                                      <p:tavLst>
+                                        <p:tav tm="0">
+                                          <p:val>
+                                            <p:strVal val="#ppt_y+.1"/>
+                                          </p:val>
+                                        </p:tav>
+                                        <p:tav tm="100000">
+                                          <p:val>
+                                            <p:strVal val="#ppt_y"/>
+                                          </p:val>
+                                        </p:tav>
+                                      </p:tavLst>
+                                    </p:anim>
+                                  </p:childTnLst>
+                                </p:cTn>
+                              </p:par>
+                            </p:childTnLst>
+                          </p:cTn>
+                        </p:par>
+                      </p:childTnLst>
+                    </p:cTn>
+                  </p:par>
+                </p:childTnLst>
+              </p:cTn>
+              <p:prevCondLst>
+                <p:cond evt="onPrev" delay="0">
+                  <p:tgtEl>
+                    <p:sldTgt/>
+                  </p:tgtEl>
+                </p:cond>
+              </p:prevCondLst>
+              <p:nextCondLst>
+                <p:cond evt="onNext" delay="0">
+                  <p:tgtEl>
+                    <p:sldTgt/>
+                  </p:tgtEl>
+                </p:cond>
+              </p:nextCondLst>
+            </p:seq>
+          </p:childTnLst>
+        </p:cTn>
+      </p:par>
+    </p:tnLst>
+    <p:bldLst>
+      <p:bldP spid="4" grpId="0"/>
+      <p:bldP spid="5" grpId="0"/>
+      <p:bldP spid="6" grpId="0"/>
+      <p:bldP spid="7" grpId="0"/>
+      <p:bldP spid="8" grpId="0"/>
+      <p:bldP spid="13" grpId="0"/>
+      <p:bldP spid="14" grpId="0"/>
+    </p:bldLst>
+  </p:timing>
 </p:sld>
 </file>
 
@@ -4984,6 +6237,678 @@
   <p:clrMapOvr>
     <a:masterClrMapping/>
   </p:clrMapOvr>
+  <p:timing>
+    <p:tnLst>
+      <p:par>
+        <p:cTn id="1" dur="indefinite" restart="never" nodeType="tmRoot">
+          <p:childTnLst>
+            <p:seq concurrent="1" nextAc="seek">
+              <p:cTn id="2" dur="indefinite" nodeType="mainSeq">
+                <p:childTnLst>
+                  <p:par>
+                    <p:cTn id="3" fill="hold">
+                      <p:stCondLst>
+                        <p:cond delay="indefinite"/>
+                        <p:cond evt="onBegin" delay="0">
+                          <p:tn val="2"/>
+                        </p:cond>
+                      </p:stCondLst>
+                      <p:childTnLst>
+                        <p:par>
+                          <p:cTn id="4" fill="hold">
+                            <p:stCondLst>
+                              <p:cond delay="0"/>
+                            </p:stCondLst>
+                            <p:childTnLst>
+                              <p:par>
+                                <p:cTn id="5" presetID="42" presetClass="entr" presetSubtype="0" fill="hold" grpId="0" nodeType="withEffect">
+                                  <p:stCondLst>
+                                    <p:cond delay="0"/>
+                                  </p:stCondLst>
+                                  <p:childTnLst>
+                                    <p:set>
+                                      <p:cBhvr>
+                                        <p:cTn id="6" dur="1" fill="hold">
+                                          <p:stCondLst>
+                                            <p:cond delay="0"/>
+                                          </p:stCondLst>
+                                        </p:cTn>
+                                        <p:tgtEl>
+                                          <p:spTgt spid="4"/>
+                                        </p:tgtEl>
+                                        <p:attrNameLst>
+                                          <p:attrName>style.visibility</p:attrName>
+                                        </p:attrNameLst>
+                                      </p:cBhvr>
+                                      <p:to>
+                                        <p:strVal val="visible"/>
+                                      </p:to>
+                                    </p:set>
+                                    <p:animEffect transition="in" filter="fade">
+                                      <p:cBhvr>
+                                        <p:cTn id="7" dur="500"/>
+                                        <p:tgtEl>
+                                          <p:spTgt spid="4"/>
+                                        </p:tgtEl>
+                                      </p:cBhvr>
+                                    </p:animEffect>
+                                    <p:anim calcmode="lin" valueType="num">
+                                      <p:cBhvr>
+                                        <p:cTn id="8" dur="500" fill="hold"/>
+                                        <p:tgtEl>
+                                          <p:spTgt spid="4"/>
+                                        </p:tgtEl>
+                                        <p:attrNameLst>
+                                          <p:attrName>ppt_x</p:attrName>
+                                        </p:attrNameLst>
+                                      </p:cBhvr>
+                                      <p:tavLst>
+                                        <p:tav tm="0">
+                                          <p:val>
+                                            <p:strVal val="#ppt_x"/>
+                                          </p:val>
+                                        </p:tav>
+                                        <p:tav tm="100000">
+                                          <p:val>
+                                            <p:strVal val="#ppt_x"/>
+                                          </p:val>
+                                        </p:tav>
+                                      </p:tavLst>
+                                    </p:anim>
+                                    <p:anim calcmode="lin" valueType="num">
+                                      <p:cBhvr>
+                                        <p:cTn id="9" dur="500" fill="hold"/>
+                                        <p:tgtEl>
+                                          <p:spTgt spid="4"/>
+                                        </p:tgtEl>
+                                        <p:attrNameLst>
+                                          <p:attrName>ppt_y</p:attrName>
+                                        </p:attrNameLst>
+                                      </p:cBhvr>
+                                      <p:tavLst>
+                                        <p:tav tm="0">
+                                          <p:val>
+                                            <p:strVal val="#ppt_y+.1"/>
+                                          </p:val>
+                                        </p:tav>
+                                        <p:tav tm="100000">
+                                          <p:val>
+                                            <p:strVal val="#ppt_y"/>
+                                          </p:val>
+                                        </p:tav>
+                                      </p:tavLst>
+                                    </p:anim>
+                                  </p:childTnLst>
+                                </p:cTn>
+                              </p:par>
+                              <p:par>
+                                <p:cTn id="10" presetID="42" presetClass="entr" presetSubtype="0" fill="hold" grpId="0" nodeType="withEffect">
+                                  <p:stCondLst>
+                                    <p:cond delay="0"/>
+                                  </p:stCondLst>
+                                  <p:childTnLst>
+                                    <p:set>
+                                      <p:cBhvr>
+                                        <p:cTn id="11" dur="1" fill="hold">
+                                          <p:stCondLst>
+                                            <p:cond delay="0"/>
+                                          </p:stCondLst>
+                                        </p:cTn>
+                                        <p:tgtEl>
+                                          <p:spTgt spid="5"/>
+                                        </p:tgtEl>
+                                        <p:attrNameLst>
+                                          <p:attrName>style.visibility</p:attrName>
+                                        </p:attrNameLst>
+                                      </p:cBhvr>
+                                      <p:to>
+                                        <p:strVal val="visible"/>
+                                      </p:to>
+                                    </p:set>
+                                    <p:animEffect transition="in" filter="fade">
+                                      <p:cBhvr>
+                                        <p:cTn id="12" dur="500"/>
+                                        <p:tgtEl>
+                                          <p:spTgt spid="5"/>
+                                        </p:tgtEl>
+                                      </p:cBhvr>
+                                    </p:animEffect>
+                                    <p:anim calcmode="lin" valueType="num">
+                                      <p:cBhvr>
+                                        <p:cTn id="13" dur="500" fill="hold"/>
+                                        <p:tgtEl>
+                                          <p:spTgt spid="5"/>
+                                        </p:tgtEl>
+                                        <p:attrNameLst>
+                                          <p:attrName>ppt_x</p:attrName>
+                                        </p:attrNameLst>
+                                      </p:cBhvr>
+                                      <p:tavLst>
+                                        <p:tav tm="0">
+                                          <p:val>
+                                            <p:strVal val="#ppt_x"/>
+                                          </p:val>
+                                        </p:tav>
+                                        <p:tav tm="100000">
+                                          <p:val>
+                                            <p:strVal val="#ppt_x"/>
+                                          </p:val>
+                                        </p:tav>
+                                      </p:tavLst>
+                                    </p:anim>
+                                    <p:anim calcmode="lin" valueType="num">
+                                      <p:cBhvr>
+                                        <p:cTn id="14" dur="500" fill="hold"/>
+                                        <p:tgtEl>
+                                          <p:spTgt spid="5"/>
+                                        </p:tgtEl>
+                                        <p:attrNameLst>
+                                          <p:attrName>ppt_y</p:attrName>
+                                        </p:attrNameLst>
+                                      </p:cBhvr>
+                                      <p:tavLst>
+                                        <p:tav tm="0">
+                                          <p:val>
+                                            <p:strVal val="#ppt_y+.1"/>
+                                          </p:val>
+                                        </p:tav>
+                                        <p:tav tm="100000">
+                                          <p:val>
+                                            <p:strVal val="#ppt_y"/>
+                                          </p:val>
+                                        </p:tav>
+                                      </p:tavLst>
+                                    </p:anim>
+                                  </p:childTnLst>
+                                </p:cTn>
+                              </p:par>
+                            </p:childTnLst>
+                          </p:cTn>
+                        </p:par>
+                        <p:par>
+                          <p:cTn id="15" fill="hold">
+                            <p:stCondLst>
+                              <p:cond delay="500"/>
+                            </p:stCondLst>
+                            <p:childTnLst>
+                              <p:par>
+                                <p:cTn id="16" presetID="42" presetClass="entr" presetSubtype="0" fill="hold" grpId="0" nodeType="afterEffect">
+                                  <p:stCondLst>
+                                    <p:cond delay="0"/>
+                                  </p:stCondLst>
+                                  <p:childTnLst>
+                                    <p:set>
+                                      <p:cBhvr>
+                                        <p:cTn id="17" dur="1" fill="hold">
+                                          <p:stCondLst>
+                                            <p:cond delay="0"/>
+                                          </p:stCondLst>
+                                        </p:cTn>
+                                        <p:tgtEl>
+                                          <p:spTgt spid="6"/>
+                                        </p:tgtEl>
+                                        <p:attrNameLst>
+                                          <p:attrName>style.visibility</p:attrName>
+                                        </p:attrNameLst>
+                                      </p:cBhvr>
+                                      <p:to>
+                                        <p:strVal val="visible"/>
+                                      </p:to>
+                                    </p:set>
+                                    <p:animEffect transition="in" filter="fade">
+                                      <p:cBhvr>
+                                        <p:cTn id="18" dur="500"/>
+                                        <p:tgtEl>
+                                          <p:spTgt spid="6"/>
+                                        </p:tgtEl>
+                                      </p:cBhvr>
+                                    </p:animEffect>
+                                    <p:anim calcmode="lin" valueType="num">
+                                      <p:cBhvr>
+                                        <p:cTn id="19" dur="500" fill="hold"/>
+                                        <p:tgtEl>
+                                          <p:spTgt spid="6"/>
+                                        </p:tgtEl>
+                                        <p:attrNameLst>
+                                          <p:attrName>ppt_x</p:attrName>
+                                        </p:attrNameLst>
+                                      </p:cBhvr>
+                                      <p:tavLst>
+                                        <p:tav tm="0">
+                                          <p:val>
+                                            <p:strVal val="#ppt_x"/>
+                                          </p:val>
+                                        </p:tav>
+                                        <p:tav tm="100000">
+                                          <p:val>
+                                            <p:strVal val="#ppt_x"/>
+                                          </p:val>
+                                        </p:tav>
+                                      </p:tavLst>
+                                    </p:anim>
+                                    <p:anim calcmode="lin" valueType="num">
+                                      <p:cBhvr>
+                                        <p:cTn id="20" dur="500" fill="hold"/>
+                                        <p:tgtEl>
+                                          <p:spTgt spid="6"/>
+                                        </p:tgtEl>
+                                        <p:attrNameLst>
+                                          <p:attrName>ppt_y</p:attrName>
+                                        </p:attrNameLst>
+                                      </p:cBhvr>
+                                      <p:tavLst>
+                                        <p:tav tm="0">
+                                          <p:val>
+                                            <p:strVal val="#ppt_y+.1"/>
+                                          </p:val>
+                                        </p:tav>
+                                        <p:tav tm="100000">
+                                          <p:val>
+                                            <p:strVal val="#ppt_y"/>
+                                          </p:val>
+                                        </p:tav>
+                                      </p:tavLst>
+                                    </p:anim>
+                                  </p:childTnLst>
+                                </p:cTn>
+                              </p:par>
+                            </p:childTnLst>
+                          </p:cTn>
+                        </p:par>
+                        <p:par>
+                          <p:cTn id="21" fill="hold">
+                            <p:stCondLst>
+                              <p:cond delay="1000"/>
+                            </p:stCondLst>
+                            <p:childTnLst>
+                              <p:par>
+                                <p:cTn id="22" presetID="42" presetClass="entr" presetSubtype="0" fill="hold" grpId="0" nodeType="afterEffect">
+                                  <p:stCondLst>
+                                    <p:cond delay="0"/>
+                                  </p:stCondLst>
+                                  <p:childTnLst>
+                                    <p:set>
+                                      <p:cBhvr>
+                                        <p:cTn id="23" dur="1" fill="hold">
+                                          <p:stCondLst>
+                                            <p:cond delay="0"/>
+                                          </p:stCondLst>
+                                        </p:cTn>
+                                        <p:tgtEl>
+                                          <p:spTgt spid="7"/>
+                                        </p:tgtEl>
+                                        <p:attrNameLst>
+                                          <p:attrName>style.visibility</p:attrName>
+                                        </p:attrNameLst>
+                                      </p:cBhvr>
+                                      <p:to>
+                                        <p:strVal val="visible"/>
+                                      </p:to>
+                                    </p:set>
+                                    <p:animEffect transition="in" filter="fade">
+                                      <p:cBhvr>
+                                        <p:cTn id="24" dur="500"/>
+                                        <p:tgtEl>
+                                          <p:spTgt spid="7"/>
+                                        </p:tgtEl>
+                                      </p:cBhvr>
+                                    </p:animEffect>
+                                    <p:anim calcmode="lin" valueType="num">
+                                      <p:cBhvr>
+                                        <p:cTn id="25" dur="500" fill="hold"/>
+                                        <p:tgtEl>
+                                          <p:spTgt spid="7"/>
+                                        </p:tgtEl>
+                                        <p:attrNameLst>
+                                          <p:attrName>ppt_x</p:attrName>
+                                        </p:attrNameLst>
+                                      </p:cBhvr>
+                                      <p:tavLst>
+                                        <p:tav tm="0">
+                                          <p:val>
+                                            <p:strVal val="#ppt_x"/>
+                                          </p:val>
+                                        </p:tav>
+                                        <p:tav tm="100000">
+                                          <p:val>
+                                            <p:strVal val="#ppt_x"/>
+                                          </p:val>
+                                        </p:tav>
+                                      </p:tavLst>
+                                    </p:anim>
+                                    <p:anim calcmode="lin" valueType="num">
+                                      <p:cBhvr>
+                                        <p:cTn id="26" dur="500" fill="hold"/>
+                                        <p:tgtEl>
+                                          <p:spTgt spid="7"/>
+                                        </p:tgtEl>
+                                        <p:attrNameLst>
+                                          <p:attrName>ppt_y</p:attrName>
+                                        </p:attrNameLst>
+                                      </p:cBhvr>
+                                      <p:tavLst>
+                                        <p:tav tm="0">
+                                          <p:val>
+                                            <p:strVal val="#ppt_y+.1"/>
+                                          </p:val>
+                                        </p:tav>
+                                        <p:tav tm="100000">
+                                          <p:val>
+                                            <p:strVal val="#ppt_y"/>
+                                          </p:val>
+                                        </p:tav>
+                                      </p:tavLst>
+                                    </p:anim>
+                                  </p:childTnLst>
+                                </p:cTn>
+                              </p:par>
+                            </p:childTnLst>
+                          </p:cTn>
+                        </p:par>
+                        <p:par>
+                          <p:cTn id="27" fill="hold">
+                            <p:stCondLst>
+                              <p:cond delay="1500"/>
+                            </p:stCondLst>
+                            <p:childTnLst>
+                              <p:par>
+                                <p:cTn id="28" presetID="42" presetClass="entr" presetSubtype="0" fill="hold" grpId="0" nodeType="afterEffect">
+                                  <p:stCondLst>
+                                    <p:cond delay="0"/>
+                                  </p:stCondLst>
+                                  <p:childTnLst>
+                                    <p:set>
+                                      <p:cBhvr>
+                                        <p:cTn id="29" dur="1" fill="hold">
+                                          <p:stCondLst>
+                                            <p:cond delay="0"/>
+                                          </p:stCondLst>
+                                        </p:cTn>
+                                        <p:tgtEl>
+                                          <p:spTgt spid="8"/>
+                                        </p:tgtEl>
+                                        <p:attrNameLst>
+                                          <p:attrName>style.visibility</p:attrName>
+                                        </p:attrNameLst>
+                                      </p:cBhvr>
+                                      <p:to>
+                                        <p:strVal val="visible"/>
+                                      </p:to>
+                                    </p:set>
+                                    <p:animEffect transition="in" filter="fade">
+                                      <p:cBhvr>
+                                        <p:cTn id="30" dur="500"/>
+                                        <p:tgtEl>
+                                          <p:spTgt spid="8"/>
+                                        </p:tgtEl>
+                                      </p:cBhvr>
+                                    </p:animEffect>
+                                    <p:anim calcmode="lin" valueType="num">
+                                      <p:cBhvr>
+                                        <p:cTn id="31" dur="500" fill="hold"/>
+                                        <p:tgtEl>
+                                          <p:spTgt spid="8"/>
+                                        </p:tgtEl>
+                                        <p:attrNameLst>
+                                          <p:attrName>ppt_x</p:attrName>
+                                        </p:attrNameLst>
+                                      </p:cBhvr>
+                                      <p:tavLst>
+                                        <p:tav tm="0">
+                                          <p:val>
+                                            <p:strVal val="#ppt_x"/>
+                                          </p:val>
+                                        </p:tav>
+                                        <p:tav tm="100000">
+                                          <p:val>
+                                            <p:strVal val="#ppt_x"/>
+                                          </p:val>
+                                        </p:tav>
+                                      </p:tavLst>
+                                    </p:anim>
+                                    <p:anim calcmode="lin" valueType="num">
+                                      <p:cBhvr>
+                                        <p:cTn id="32" dur="500" fill="hold"/>
+                                        <p:tgtEl>
+                                          <p:spTgt spid="8"/>
+                                        </p:tgtEl>
+                                        <p:attrNameLst>
+                                          <p:attrName>ppt_y</p:attrName>
+                                        </p:attrNameLst>
+                                      </p:cBhvr>
+                                      <p:tavLst>
+                                        <p:tav tm="0">
+                                          <p:val>
+                                            <p:strVal val="#ppt_y+.1"/>
+                                          </p:val>
+                                        </p:tav>
+                                        <p:tav tm="100000">
+                                          <p:val>
+                                            <p:strVal val="#ppt_y"/>
+                                          </p:val>
+                                        </p:tav>
+                                      </p:tavLst>
+                                    </p:anim>
+                                  </p:childTnLst>
+                                </p:cTn>
+                              </p:par>
+                            </p:childTnLst>
+                          </p:cTn>
+                        </p:par>
+                        <p:par>
+                          <p:cTn id="33" fill="hold">
+                            <p:stCondLst>
+                              <p:cond delay="2000"/>
+                            </p:stCondLst>
+                            <p:childTnLst>
+                              <p:par>
+                                <p:cTn id="34" presetID="42" presetClass="entr" presetSubtype="0" fill="hold" grpId="0" nodeType="afterEffect">
+                                  <p:stCondLst>
+                                    <p:cond delay="0"/>
+                                  </p:stCondLst>
+                                  <p:childTnLst>
+                                    <p:set>
+                                      <p:cBhvr>
+                                        <p:cTn id="35" dur="1" fill="hold">
+                                          <p:stCondLst>
+                                            <p:cond delay="0"/>
+                                          </p:stCondLst>
+                                        </p:cTn>
+                                        <p:tgtEl>
+                                          <p:spTgt spid="9"/>
+                                        </p:tgtEl>
+                                        <p:attrNameLst>
+                                          <p:attrName>style.visibility</p:attrName>
+                                        </p:attrNameLst>
+                                      </p:cBhvr>
+                                      <p:to>
+                                        <p:strVal val="visible"/>
+                                      </p:to>
+                                    </p:set>
+                                    <p:animEffect transition="in" filter="fade">
+                                      <p:cBhvr>
+                                        <p:cTn id="36" dur="500"/>
+                                        <p:tgtEl>
+                                          <p:spTgt spid="9"/>
+                                        </p:tgtEl>
+                                      </p:cBhvr>
+                                    </p:animEffect>
+                                    <p:anim calcmode="lin" valueType="num">
+                                      <p:cBhvr>
+                                        <p:cTn id="37" dur="500" fill="hold"/>
+                                        <p:tgtEl>
+                                          <p:spTgt spid="9"/>
+                                        </p:tgtEl>
+                                        <p:attrNameLst>
+                                          <p:attrName>ppt_x</p:attrName>
+                                        </p:attrNameLst>
+                                      </p:cBhvr>
+                                      <p:tavLst>
+                                        <p:tav tm="0">
+                                          <p:val>
+                                            <p:strVal val="#ppt_x"/>
+                                          </p:val>
+                                        </p:tav>
+                                        <p:tav tm="100000">
+                                          <p:val>
+                                            <p:strVal val="#ppt_x"/>
+                                          </p:val>
+                                        </p:tav>
+                                      </p:tavLst>
+                                    </p:anim>
+                                    <p:anim calcmode="lin" valueType="num">
+                                      <p:cBhvr>
+                                        <p:cTn id="38" dur="500" fill="hold"/>
+                                        <p:tgtEl>
+                                          <p:spTgt spid="9"/>
+                                        </p:tgtEl>
+                                        <p:attrNameLst>
+                                          <p:attrName>ppt_y</p:attrName>
+                                        </p:attrNameLst>
+                                      </p:cBhvr>
+                                      <p:tavLst>
+                                        <p:tav tm="0">
+                                          <p:val>
+                                            <p:strVal val="#ppt_y+.1"/>
+                                          </p:val>
+                                        </p:tav>
+                                        <p:tav tm="100000">
+                                          <p:val>
+                                            <p:strVal val="#ppt_y"/>
+                                          </p:val>
+                                        </p:tav>
+                                      </p:tavLst>
+                                    </p:anim>
+                                  </p:childTnLst>
+                                </p:cTn>
+                              </p:par>
+                            </p:childTnLst>
+                          </p:cTn>
+                        </p:par>
+                        <p:par>
+                          <p:cTn id="39" fill="hold">
+                            <p:stCondLst>
+                              <p:cond delay="2500"/>
+                            </p:stCondLst>
+                            <p:childTnLst>
+                              <p:par>
+                                <p:cTn id="40" presetID="42" presetClass="entr" presetSubtype="0" fill="hold" grpId="0" nodeType="afterEffect">
+                                  <p:stCondLst>
+                                    <p:cond delay="0"/>
+                                  </p:stCondLst>
+                                  <p:childTnLst>
+                                    <p:set>
+                                      <p:cBhvr>
+                                        <p:cTn id="41" dur="1" fill="hold">
+                                          <p:stCondLst>
+                                            <p:cond delay="0"/>
+                                          </p:stCondLst>
+                                        </p:cTn>
+                                        <p:tgtEl>
+                                          <p:spTgt spid="10"/>
+                                        </p:tgtEl>
+                                        <p:attrNameLst>
+                                          <p:attrName>style.visibility</p:attrName>
+                                        </p:attrNameLst>
+                                      </p:cBhvr>
+                                      <p:to>
+                                        <p:strVal val="visible"/>
+                                      </p:to>
+                                    </p:set>
+                                    <p:animEffect transition="in" filter="fade">
+                                      <p:cBhvr>
+                                        <p:cTn id="42" dur="500"/>
+                                        <p:tgtEl>
+                                          <p:spTgt spid="10"/>
+                                        </p:tgtEl>
+                                      </p:cBhvr>
+                                    </p:animEffect>
+                                    <p:anim calcmode="lin" valueType="num">
+                                      <p:cBhvr>
+                                        <p:cTn id="43" dur="500" fill="hold"/>
+                                        <p:tgtEl>
+                                          <p:spTgt spid="10"/>
+                                        </p:tgtEl>
+                                        <p:attrNameLst>
+                                          <p:attrName>ppt_x</p:attrName>
+                                        </p:attrNameLst>
+                                      </p:cBhvr>
+                                      <p:tavLst>
+                                        <p:tav tm="0">
+                                          <p:val>
+                                            <p:strVal val="#ppt_x"/>
+                                          </p:val>
+                                        </p:tav>
+                                        <p:tav tm="100000">
+                                          <p:val>
+                                            <p:strVal val="#ppt_x"/>
+                                          </p:val>
+                                        </p:tav>
+                                      </p:tavLst>
+                                    </p:anim>
+                                    <p:anim calcmode="lin" valueType="num">
+                                      <p:cBhvr>
+                                        <p:cTn id="44" dur="500" fill="hold"/>
+                                        <p:tgtEl>
+                                          <p:spTgt spid="10"/>
+                                        </p:tgtEl>
+                                        <p:attrNameLst>
+                                          <p:attrName>ppt_y</p:attrName>
+                                        </p:attrNameLst>
+                                      </p:cBhvr>
+                                      <p:tavLst>
+                                        <p:tav tm="0">
+                                          <p:val>
+                                            <p:strVal val="#ppt_y+.1"/>
+                                          </p:val>
+                                        </p:tav>
+                                        <p:tav tm="100000">
+                                          <p:val>
+                                            <p:strVal val="#ppt_y"/>
+                                          </p:val>
+                                        </p:tav>
+                                      </p:tavLst>
+                                    </p:anim>
+                                  </p:childTnLst>
+                                </p:cTn>
+                              </p:par>
+                            </p:childTnLst>
+                          </p:cTn>
+                        </p:par>
+                      </p:childTnLst>
+                    </p:cTn>
+                  </p:par>
+                </p:childTnLst>
+              </p:cTn>
+              <p:prevCondLst>
+                <p:cond evt="onPrev" delay="0">
+                  <p:tgtEl>
+                    <p:sldTgt/>
+                  </p:tgtEl>
+                </p:cond>
+              </p:prevCondLst>
+              <p:nextCondLst>
+                <p:cond evt="onNext" delay="0">
+                  <p:tgtEl>
+                    <p:sldTgt/>
+                  </p:tgtEl>
+                </p:cond>
+              </p:nextCondLst>
+            </p:seq>
+          </p:childTnLst>
+        </p:cTn>
+      </p:par>
+    </p:tnLst>
+    <p:bldLst>
+      <p:bldP spid="4" grpId="0"/>
+      <p:bldP spid="5" grpId="0"/>
+      <p:bldP spid="6" grpId="0"/>
+      <p:bldP spid="7" grpId="0"/>
+      <p:bldP spid="8" grpId="0"/>
+      <p:bldP spid="9" grpId="0"/>
+      <p:bldP spid="10" grpId="0"/>
+    </p:bldLst>
+  </p:timing>
 </p:sld>
 </file>
 
@@ -5500,6 +7425,742 @@
   <p:clrMapOvr>
     <a:masterClrMapping/>
   </p:clrMapOvr>
+  <p:timing>
+    <p:tnLst>
+      <p:par>
+        <p:cTn id="1" dur="indefinite" restart="never" nodeType="tmRoot">
+          <p:childTnLst>
+            <p:seq concurrent="1" nextAc="seek">
+              <p:cTn id="2" dur="indefinite" nodeType="mainSeq">
+                <p:childTnLst>
+                  <p:par>
+                    <p:cTn id="3" fill="hold">
+                      <p:stCondLst>
+                        <p:cond delay="indefinite"/>
+                        <p:cond evt="onBegin" delay="0">
+                          <p:tn val="2"/>
+                        </p:cond>
+                      </p:stCondLst>
+                      <p:childTnLst>
+                        <p:par>
+                          <p:cTn id="4" fill="hold">
+                            <p:stCondLst>
+                              <p:cond delay="0"/>
+                            </p:stCondLst>
+                            <p:childTnLst>
+                              <p:par>
+                                <p:cTn id="5" presetID="42" presetClass="entr" presetSubtype="0" fill="hold" grpId="0" nodeType="withEffect">
+                                  <p:stCondLst>
+                                    <p:cond delay="0"/>
+                                  </p:stCondLst>
+                                  <p:childTnLst>
+                                    <p:set>
+                                      <p:cBhvr>
+                                        <p:cTn id="6" dur="1" fill="hold">
+                                          <p:stCondLst>
+                                            <p:cond delay="0"/>
+                                          </p:stCondLst>
+                                        </p:cTn>
+                                        <p:tgtEl>
+                                          <p:spTgt spid="4"/>
+                                        </p:tgtEl>
+                                        <p:attrNameLst>
+                                          <p:attrName>style.visibility</p:attrName>
+                                        </p:attrNameLst>
+                                      </p:cBhvr>
+                                      <p:to>
+                                        <p:strVal val="visible"/>
+                                      </p:to>
+                                    </p:set>
+                                    <p:animEffect transition="in" filter="fade">
+                                      <p:cBhvr>
+                                        <p:cTn id="7" dur="500"/>
+                                        <p:tgtEl>
+                                          <p:spTgt spid="4"/>
+                                        </p:tgtEl>
+                                      </p:cBhvr>
+                                    </p:animEffect>
+                                    <p:anim calcmode="lin" valueType="num">
+                                      <p:cBhvr>
+                                        <p:cTn id="8" dur="500" fill="hold"/>
+                                        <p:tgtEl>
+                                          <p:spTgt spid="4"/>
+                                        </p:tgtEl>
+                                        <p:attrNameLst>
+                                          <p:attrName>ppt_x</p:attrName>
+                                        </p:attrNameLst>
+                                      </p:cBhvr>
+                                      <p:tavLst>
+                                        <p:tav tm="0">
+                                          <p:val>
+                                            <p:strVal val="#ppt_x"/>
+                                          </p:val>
+                                        </p:tav>
+                                        <p:tav tm="100000">
+                                          <p:val>
+                                            <p:strVal val="#ppt_x"/>
+                                          </p:val>
+                                        </p:tav>
+                                      </p:tavLst>
+                                    </p:anim>
+                                    <p:anim calcmode="lin" valueType="num">
+                                      <p:cBhvr>
+                                        <p:cTn id="9" dur="500" fill="hold"/>
+                                        <p:tgtEl>
+                                          <p:spTgt spid="4"/>
+                                        </p:tgtEl>
+                                        <p:attrNameLst>
+                                          <p:attrName>ppt_y</p:attrName>
+                                        </p:attrNameLst>
+                                      </p:cBhvr>
+                                      <p:tavLst>
+                                        <p:tav tm="0">
+                                          <p:val>
+                                            <p:strVal val="#ppt_y+.1"/>
+                                          </p:val>
+                                        </p:tav>
+                                        <p:tav tm="100000">
+                                          <p:val>
+                                            <p:strVal val="#ppt_y"/>
+                                          </p:val>
+                                        </p:tav>
+                                      </p:tavLst>
+                                    </p:anim>
+                                  </p:childTnLst>
+                                </p:cTn>
+                              </p:par>
+                              <p:par>
+                                <p:cTn id="10" presetID="42" presetClass="entr" presetSubtype="0" fill="hold" grpId="0" nodeType="withEffect">
+                                  <p:stCondLst>
+                                    <p:cond delay="0"/>
+                                  </p:stCondLst>
+                                  <p:childTnLst>
+                                    <p:set>
+                                      <p:cBhvr>
+                                        <p:cTn id="11" dur="1" fill="hold">
+                                          <p:stCondLst>
+                                            <p:cond delay="0"/>
+                                          </p:stCondLst>
+                                        </p:cTn>
+                                        <p:tgtEl>
+                                          <p:spTgt spid="5"/>
+                                        </p:tgtEl>
+                                        <p:attrNameLst>
+                                          <p:attrName>style.visibility</p:attrName>
+                                        </p:attrNameLst>
+                                      </p:cBhvr>
+                                      <p:to>
+                                        <p:strVal val="visible"/>
+                                      </p:to>
+                                    </p:set>
+                                    <p:animEffect transition="in" filter="fade">
+                                      <p:cBhvr>
+                                        <p:cTn id="12" dur="500"/>
+                                        <p:tgtEl>
+                                          <p:spTgt spid="5"/>
+                                        </p:tgtEl>
+                                      </p:cBhvr>
+                                    </p:animEffect>
+                                    <p:anim calcmode="lin" valueType="num">
+                                      <p:cBhvr>
+                                        <p:cTn id="13" dur="500" fill="hold"/>
+                                        <p:tgtEl>
+                                          <p:spTgt spid="5"/>
+                                        </p:tgtEl>
+                                        <p:attrNameLst>
+                                          <p:attrName>ppt_x</p:attrName>
+                                        </p:attrNameLst>
+                                      </p:cBhvr>
+                                      <p:tavLst>
+                                        <p:tav tm="0">
+                                          <p:val>
+                                            <p:strVal val="#ppt_x"/>
+                                          </p:val>
+                                        </p:tav>
+                                        <p:tav tm="100000">
+                                          <p:val>
+                                            <p:strVal val="#ppt_x"/>
+                                          </p:val>
+                                        </p:tav>
+                                      </p:tavLst>
+                                    </p:anim>
+                                    <p:anim calcmode="lin" valueType="num">
+                                      <p:cBhvr>
+                                        <p:cTn id="14" dur="500" fill="hold"/>
+                                        <p:tgtEl>
+                                          <p:spTgt spid="5"/>
+                                        </p:tgtEl>
+                                        <p:attrNameLst>
+                                          <p:attrName>ppt_y</p:attrName>
+                                        </p:attrNameLst>
+                                      </p:cBhvr>
+                                      <p:tavLst>
+                                        <p:tav tm="0">
+                                          <p:val>
+                                            <p:strVal val="#ppt_y+.1"/>
+                                          </p:val>
+                                        </p:tav>
+                                        <p:tav tm="100000">
+                                          <p:val>
+                                            <p:strVal val="#ppt_y"/>
+                                          </p:val>
+                                        </p:tav>
+                                      </p:tavLst>
+                                    </p:anim>
+                                  </p:childTnLst>
+                                </p:cTn>
+                              </p:par>
+                            </p:childTnLst>
+                          </p:cTn>
+                        </p:par>
+                        <p:par>
+                          <p:cTn id="15" fill="hold">
+                            <p:stCondLst>
+                              <p:cond delay="500"/>
+                            </p:stCondLst>
+                            <p:childTnLst>
+                              <p:par>
+                                <p:cTn id="16" presetID="42" presetClass="entr" presetSubtype="0" fill="hold" grpId="0" nodeType="afterEffect">
+                                  <p:stCondLst>
+                                    <p:cond delay="0"/>
+                                  </p:stCondLst>
+                                  <p:childTnLst>
+                                    <p:set>
+                                      <p:cBhvr>
+                                        <p:cTn id="17" dur="1" fill="hold">
+                                          <p:stCondLst>
+                                            <p:cond delay="0"/>
+                                          </p:stCondLst>
+                                        </p:cTn>
+                                        <p:tgtEl>
+                                          <p:spTgt spid="6"/>
+                                        </p:tgtEl>
+                                        <p:attrNameLst>
+                                          <p:attrName>style.visibility</p:attrName>
+                                        </p:attrNameLst>
+                                      </p:cBhvr>
+                                      <p:to>
+                                        <p:strVal val="visible"/>
+                                      </p:to>
+                                    </p:set>
+                                    <p:animEffect transition="in" filter="fade">
+                                      <p:cBhvr>
+                                        <p:cTn id="18" dur="500"/>
+                                        <p:tgtEl>
+                                          <p:spTgt spid="6"/>
+                                        </p:tgtEl>
+                                      </p:cBhvr>
+                                    </p:animEffect>
+                                    <p:anim calcmode="lin" valueType="num">
+                                      <p:cBhvr>
+                                        <p:cTn id="19" dur="500" fill="hold"/>
+                                        <p:tgtEl>
+                                          <p:spTgt spid="6"/>
+                                        </p:tgtEl>
+                                        <p:attrNameLst>
+                                          <p:attrName>ppt_x</p:attrName>
+                                        </p:attrNameLst>
+                                      </p:cBhvr>
+                                      <p:tavLst>
+                                        <p:tav tm="0">
+                                          <p:val>
+                                            <p:strVal val="#ppt_x"/>
+                                          </p:val>
+                                        </p:tav>
+                                        <p:tav tm="100000">
+                                          <p:val>
+                                            <p:strVal val="#ppt_x"/>
+                                          </p:val>
+                                        </p:tav>
+                                      </p:tavLst>
+                                    </p:anim>
+                                    <p:anim calcmode="lin" valueType="num">
+                                      <p:cBhvr>
+                                        <p:cTn id="20" dur="500" fill="hold"/>
+                                        <p:tgtEl>
+                                          <p:spTgt spid="6"/>
+                                        </p:tgtEl>
+                                        <p:attrNameLst>
+                                          <p:attrName>ppt_y</p:attrName>
+                                        </p:attrNameLst>
+                                      </p:cBhvr>
+                                      <p:tavLst>
+                                        <p:tav tm="0">
+                                          <p:val>
+                                            <p:strVal val="#ppt_y+.1"/>
+                                          </p:val>
+                                        </p:tav>
+                                        <p:tav tm="100000">
+                                          <p:val>
+                                            <p:strVal val="#ppt_y"/>
+                                          </p:val>
+                                        </p:tav>
+                                      </p:tavLst>
+                                    </p:anim>
+                                  </p:childTnLst>
+                                </p:cTn>
+                              </p:par>
+                              <p:par>
+                                <p:cTn id="21" presetID="42" presetClass="entr" presetSubtype="0" fill="hold" grpId="0" nodeType="withEffect">
+                                  <p:stCondLst>
+                                    <p:cond delay="0"/>
+                                  </p:stCondLst>
+                                  <p:childTnLst>
+                                    <p:set>
+                                      <p:cBhvr>
+                                        <p:cTn id="22" dur="1" fill="hold">
+                                          <p:stCondLst>
+                                            <p:cond delay="0"/>
+                                          </p:stCondLst>
+                                        </p:cTn>
+                                        <p:tgtEl>
+                                          <p:spTgt spid="7"/>
+                                        </p:tgtEl>
+                                        <p:attrNameLst>
+                                          <p:attrName>style.visibility</p:attrName>
+                                        </p:attrNameLst>
+                                      </p:cBhvr>
+                                      <p:to>
+                                        <p:strVal val="visible"/>
+                                      </p:to>
+                                    </p:set>
+                                    <p:animEffect transition="in" filter="fade">
+                                      <p:cBhvr>
+                                        <p:cTn id="23" dur="500"/>
+                                        <p:tgtEl>
+                                          <p:spTgt spid="7"/>
+                                        </p:tgtEl>
+                                      </p:cBhvr>
+                                    </p:animEffect>
+                                    <p:anim calcmode="lin" valueType="num">
+                                      <p:cBhvr>
+                                        <p:cTn id="24" dur="500" fill="hold"/>
+                                        <p:tgtEl>
+                                          <p:spTgt spid="7"/>
+                                        </p:tgtEl>
+                                        <p:attrNameLst>
+                                          <p:attrName>ppt_x</p:attrName>
+                                        </p:attrNameLst>
+                                      </p:cBhvr>
+                                      <p:tavLst>
+                                        <p:tav tm="0">
+                                          <p:val>
+                                            <p:strVal val="#ppt_x"/>
+                                          </p:val>
+                                        </p:tav>
+                                        <p:tav tm="100000">
+                                          <p:val>
+                                            <p:strVal val="#ppt_x"/>
+                                          </p:val>
+                                        </p:tav>
+                                      </p:tavLst>
+                                    </p:anim>
+                                    <p:anim calcmode="lin" valueType="num">
+                                      <p:cBhvr>
+                                        <p:cTn id="25" dur="500" fill="hold"/>
+                                        <p:tgtEl>
+                                          <p:spTgt spid="7"/>
+                                        </p:tgtEl>
+                                        <p:attrNameLst>
+                                          <p:attrName>ppt_y</p:attrName>
+                                        </p:attrNameLst>
+                                      </p:cBhvr>
+                                      <p:tavLst>
+                                        <p:tav tm="0">
+                                          <p:val>
+                                            <p:strVal val="#ppt_y+.1"/>
+                                          </p:val>
+                                        </p:tav>
+                                        <p:tav tm="100000">
+                                          <p:val>
+                                            <p:strVal val="#ppt_y"/>
+                                          </p:val>
+                                        </p:tav>
+                                      </p:tavLst>
+                                    </p:anim>
+                                  </p:childTnLst>
+                                </p:cTn>
+                              </p:par>
+                              <p:par>
+                                <p:cTn id="26" presetID="42" presetClass="entr" presetSubtype="0" fill="hold" grpId="0" nodeType="withEffect">
+                                  <p:stCondLst>
+                                    <p:cond delay="0"/>
+                                  </p:stCondLst>
+                                  <p:childTnLst>
+                                    <p:set>
+                                      <p:cBhvr>
+                                        <p:cTn id="27" dur="1" fill="hold">
+                                          <p:stCondLst>
+                                            <p:cond delay="0"/>
+                                          </p:stCondLst>
+                                        </p:cTn>
+                                        <p:tgtEl>
+                                          <p:spTgt spid="8"/>
+                                        </p:tgtEl>
+                                        <p:attrNameLst>
+                                          <p:attrName>style.visibility</p:attrName>
+                                        </p:attrNameLst>
+                                      </p:cBhvr>
+                                      <p:to>
+                                        <p:strVal val="visible"/>
+                                      </p:to>
+                                    </p:set>
+                                    <p:animEffect transition="in" filter="fade">
+                                      <p:cBhvr>
+                                        <p:cTn id="28" dur="500"/>
+                                        <p:tgtEl>
+                                          <p:spTgt spid="8"/>
+                                        </p:tgtEl>
+                                      </p:cBhvr>
+                                    </p:animEffect>
+                                    <p:anim calcmode="lin" valueType="num">
+                                      <p:cBhvr>
+                                        <p:cTn id="29" dur="500" fill="hold"/>
+                                        <p:tgtEl>
+                                          <p:spTgt spid="8"/>
+                                        </p:tgtEl>
+                                        <p:attrNameLst>
+                                          <p:attrName>ppt_x</p:attrName>
+                                        </p:attrNameLst>
+                                      </p:cBhvr>
+                                      <p:tavLst>
+                                        <p:tav tm="0">
+                                          <p:val>
+                                            <p:strVal val="#ppt_x"/>
+                                          </p:val>
+                                        </p:tav>
+                                        <p:tav tm="100000">
+                                          <p:val>
+                                            <p:strVal val="#ppt_x"/>
+                                          </p:val>
+                                        </p:tav>
+                                      </p:tavLst>
+                                    </p:anim>
+                                    <p:anim calcmode="lin" valueType="num">
+                                      <p:cBhvr>
+                                        <p:cTn id="30" dur="500" fill="hold"/>
+                                        <p:tgtEl>
+                                          <p:spTgt spid="8"/>
+                                        </p:tgtEl>
+                                        <p:attrNameLst>
+                                          <p:attrName>ppt_y</p:attrName>
+                                        </p:attrNameLst>
+                                      </p:cBhvr>
+                                      <p:tavLst>
+                                        <p:tav tm="0">
+                                          <p:val>
+                                            <p:strVal val="#ppt_y+.1"/>
+                                          </p:val>
+                                        </p:tav>
+                                        <p:tav tm="100000">
+                                          <p:val>
+                                            <p:strVal val="#ppt_y"/>
+                                          </p:val>
+                                        </p:tav>
+                                      </p:tavLst>
+                                    </p:anim>
+                                  </p:childTnLst>
+                                </p:cTn>
+                              </p:par>
+                              <p:par>
+                                <p:cTn id="31" presetID="42" presetClass="entr" presetSubtype="0" fill="hold" grpId="0" nodeType="withEffect">
+                                  <p:stCondLst>
+                                    <p:cond delay="0"/>
+                                  </p:stCondLst>
+                                  <p:childTnLst>
+                                    <p:set>
+                                      <p:cBhvr>
+                                        <p:cTn id="32" dur="1" fill="hold">
+                                          <p:stCondLst>
+                                            <p:cond delay="0"/>
+                                          </p:stCondLst>
+                                        </p:cTn>
+                                        <p:tgtEl>
+                                          <p:spTgt spid="9"/>
+                                        </p:tgtEl>
+                                        <p:attrNameLst>
+                                          <p:attrName>style.visibility</p:attrName>
+                                        </p:attrNameLst>
+                                      </p:cBhvr>
+                                      <p:to>
+                                        <p:strVal val="visible"/>
+                                      </p:to>
+                                    </p:set>
+                                    <p:animEffect transition="in" filter="fade">
+                                      <p:cBhvr>
+                                        <p:cTn id="33" dur="500"/>
+                                        <p:tgtEl>
+                                          <p:spTgt spid="9"/>
+                                        </p:tgtEl>
+                                      </p:cBhvr>
+                                    </p:animEffect>
+                                    <p:anim calcmode="lin" valueType="num">
+                                      <p:cBhvr>
+                                        <p:cTn id="34" dur="500" fill="hold"/>
+                                        <p:tgtEl>
+                                          <p:spTgt spid="9"/>
+                                        </p:tgtEl>
+                                        <p:attrNameLst>
+                                          <p:attrName>ppt_x</p:attrName>
+                                        </p:attrNameLst>
+                                      </p:cBhvr>
+                                      <p:tavLst>
+                                        <p:tav tm="0">
+                                          <p:val>
+                                            <p:strVal val="#ppt_x"/>
+                                          </p:val>
+                                        </p:tav>
+                                        <p:tav tm="100000">
+                                          <p:val>
+                                            <p:strVal val="#ppt_x"/>
+                                          </p:val>
+                                        </p:tav>
+                                      </p:tavLst>
+                                    </p:anim>
+                                    <p:anim calcmode="lin" valueType="num">
+                                      <p:cBhvr>
+                                        <p:cTn id="35" dur="500" fill="hold"/>
+                                        <p:tgtEl>
+                                          <p:spTgt spid="9"/>
+                                        </p:tgtEl>
+                                        <p:attrNameLst>
+                                          <p:attrName>ppt_y</p:attrName>
+                                        </p:attrNameLst>
+                                      </p:cBhvr>
+                                      <p:tavLst>
+                                        <p:tav tm="0">
+                                          <p:val>
+                                            <p:strVal val="#ppt_y+.1"/>
+                                          </p:val>
+                                        </p:tav>
+                                        <p:tav tm="100000">
+                                          <p:val>
+                                            <p:strVal val="#ppt_y"/>
+                                          </p:val>
+                                        </p:tav>
+                                      </p:tavLst>
+                                    </p:anim>
+                                  </p:childTnLst>
+                                </p:cTn>
+                              </p:par>
+                            </p:childTnLst>
+                          </p:cTn>
+                        </p:par>
+                        <p:par>
+                          <p:cTn id="36" fill="hold">
+                            <p:stCondLst>
+                              <p:cond delay="1000"/>
+                            </p:stCondLst>
+                            <p:childTnLst>
+                              <p:par>
+                                <p:cTn id="37" presetID="42" presetClass="entr" presetSubtype="0" fill="hold" grpId="0" nodeType="afterEffect">
+                                  <p:stCondLst>
+                                    <p:cond delay="0"/>
+                                  </p:stCondLst>
+                                  <p:childTnLst>
+                                    <p:set>
+                                      <p:cBhvr>
+                                        <p:cTn id="38" dur="1" fill="hold">
+                                          <p:stCondLst>
+                                            <p:cond delay="0"/>
+                                          </p:stCondLst>
+                                        </p:cTn>
+                                        <p:tgtEl>
+                                          <p:spTgt spid="11"/>
+                                        </p:tgtEl>
+                                        <p:attrNameLst>
+                                          <p:attrName>style.visibility</p:attrName>
+                                        </p:attrNameLst>
+                                      </p:cBhvr>
+                                      <p:to>
+                                        <p:strVal val="visible"/>
+                                      </p:to>
+                                    </p:set>
+                                    <p:animEffect transition="in" filter="fade">
+                                      <p:cBhvr>
+                                        <p:cTn id="39" dur="500"/>
+                                        <p:tgtEl>
+                                          <p:spTgt spid="11"/>
+                                        </p:tgtEl>
+                                      </p:cBhvr>
+                                    </p:animEffect>
+                                    <p:anim calcmode="lin" valueType="num">
+                                      <p:cBhvr>
+                                        <p:cTn id="40" dur="500" fill="hold"/>
+                                        <p:tgtEl>
+                                          <p:spTgt spid="11"/>
+                                        </p:tgtEl>
+                                        <p:attrNameLst>
+                                          <p:attrName>ppt_x</p:attrName>
+                                        </p:attrNameLst>
+                                      </p:cBhvr>
+                                      <p:tavLst>
+                                        <p:tav tm="0">
+                                          <p:val>
+                                            <p:strVal val="#ppt_x"/>
+                                          </p:val>
+                                        </p:tav>
+                                        <p:tav tm="100000">
+                                          <p:val>
+                                            <p:strVal val="#ppt_x"/>
+                                          </p:val>
+                                        </p:tav>
+                                      </p:tavLst>
+                                    </p:anim>
+                                    <p:anim calcmode="lin" valueType="num">
+                                      <p:cBhvr>
+                                        <p:cTn id="41" dur="500" fill="hold"/>
+                                        <p:tgtEl>
+                                          <p:spTgt spid="11"/>
+                                        </p:tgtEl>
+                                        <p:attrNameLst>
+                                          <p:attrName>ppt_y</p:attrName>
+                                        </p:attrNameLst>
+                                      </p:cBhvr>
+                                      <p:tavLst>
+                                        <p:tav tm="0">
+                                          <p:val>
+                                            <p:strVal val="#ppt_y+.1"/>
+                                          </p:val>
+                                        </p:tav>
+                                        <p:tav tm="100000">
+                                          <p:val>
+                                            <p:strVal val="#ppt_y"/>
+                                          </p:val>
+                                        </p:tav>
+                                      </p:tavLst>
+                                    </p:anim>
+                                  </p:childTnLst>
+                                </p:cTn>
+                              </p:par>
+                            </p:childTnLst>
+                          </p:cTn>
+                        </p:par>
+                        <p:par>
+                          <p:cTn id="42" fill="hold">
+                            <p:stCondLst>
+                              <p:cond delay="1500"/>
+                            </p:stCondLst>
+                            <p:childTnLst>
+                              <p:par>
+                                <p:cTn id="43" presetID="42" presetClass="entr" presetSubtype="0" fill="hold" grpId="0" nodeType="afterEffect">
+                                  <p:stCondLst>
+                                    <p:cond delay="0"/>
+                                  </p:stCondLst>
+                                  <p:childTnLst>
+                                    <p:set>
+                                      <p:cBhvr>
+                                        <p:cTn id="44" dur="1" fill="hold">
+                                          <p:stCondLst>
+                                            <p:cond delay="0"/>
+                                          </p:stCondLst>
+                                        </p:cTn>
+                                        <p:tgtEl>
+                                          <p:spTgt spid="12"/>
+                                        </p:tgtEl>
+                                        <p:attrNameLst>
+                                          <p:attrName>style.visibility</p:attrName>
+                                        </p:attrNameLst>
+                                      </p:cBhvr>
+                                      <p:to>
+                                        <p:strVal val="visible"/>
+                                      </p:to>
+                                    </p:set>
+                                    <p:animEffect transition="in" filter="fade">
+                                      <p:cBhvr>
+                                        <p:cTn id="45" dur="500"/>
+                                        <p:tgtEl>
+                                          <p:spTgt spid="12"/>
+                                        </p:tgtEl>
+                                      </p:cBhvr>
+                                    </p:animEffect>
+                                    <p:anim calcmode="lin" valueType="num">
+                                      <p:cBhvr>
+                                        <p:cTn id="46" dur="500" fill="hold"/>
+                                        <p:tgtEl>
+                                          <p:spTgt spid="12"/>
+                                        </p:tgtEl>
+                                        <p:attrNameLst>
+                                          <p:attrName>ppt_x</p:attrName>
+                                        </p:attrNameLst>
+                                      </p:cBhvr>
+                                      <p:tavLst>
+                                        <p:tav tm="0">
+                                          <p:val>
+                                            <p:strVal val="#ppt_x"/>
+                                          </p:val>
+                                        </p:tav>
+                                        <p:tav tm="100000">
+                                          <p:val>
+                                            <p:strVal val="#ppt_x"/>
+                                          </p:val>
+                                        </p:tav>
+                                      </p:tavLst>
+                                    </p:anim>
+                                    <p:anim calcmode="lin" valueType="num">
+                                      <p:cBhvr>
+                                        <p:cTn id="47" dur="500" fill="hold"/>
+                                        <p:tgtEl>
+                                          <p:spTgt spid="12"/>
+                                        </p:tgtEl>
+                                        <p:attrNameLst>
+                                          <p:attrName>ppt_y</p:attrName>
+                                        </p:attrNameLst>
+                                      </p:cBhvr>
+                                      <p:tavLst>
+                                        <p:tav tm="0">
+                                          <p:val>
+                                            <p:strVal val="#ppt_y+.1"/>
+                                          </p:val>
+                                        </p:tav>
+                                        <p:tav tm="100000">
+                                          <p:val>
+                                            <p:strVal val="#ppt_y"/>
+                                          </p:val>
+                                        </p:tav>
+                                      </p:tavLst>
+                                    </p:anim>
+                                  </p:childTnLst>
+                                </p:cTn>
+                              </p:par>
+                            </p:childTnLst>
+                          </p:cTn>
+                        </p:par>
+                      </p:childTnLst>
+                    </p:cTn>
+                  </p:par>
+                </p:childTnLst>
+              </p:cTn>
+              <p:prevCondLst>
+                <p:cond evt="onPrev" delay="0">
+                  <p:tgtEl>
+                    <p:sldTgt/>
+                  </p:tgtEl>
+                </p:cond>
+              </p:prevCondLst>
+              <p:nextCondLst>
+                <p:cond evt="onNext" delay="0">
+                  <p:tgtEl>
+                    <p:sldTgt/>
+                  </p:tgtEl>
+                </p:cond>
+              </p:nextCondLst>
+            </p:seq>
+          </p:childTnLst>
+        </p:cTn>
+      </p:par>
+    </p:tnLst>
+    <p:bldLst>
+      <p:bldP spid="4" grpId="0"/>
+      <p:bldP spid="5" grpId="0"/>
+      <p:bldP spid="6" grpId="0"/>
+      <p:bldP spid="7" grpId="0"/>
+      <p:bldP spid="8" grpId="0"/>
+      <p:bldP spid="9" grpId="0"/>
+      <p:bldP spid="11" grpId="0"/>
+      <p:bldP spid="12" grpId="0"/>
+    </p:bldLst>
+  </p:timing>
 </p:sld>
 </file>
 
@@ -5977,6 +8638,569 @@
   <p:clrMapOvr>
     <a:masterClrMapping/>
   </p:clrMapOvr>
+  <p:timing>
+    <p:tnLst>
+      <p:par>
+        <p:cTn id="1" dur="indefinite" restart="never" nodeType="tmRoot">
+          <p:childTnLst>
+            <p:seq concurrent="1" nextAc="seek">
+              <p:cTn id="2" dur="indefinite" nodeType="mainSeq">
+                <p:childTnLst>
+                  <p:par>
+                    <p:cTn id="3" fill="hold">
+                      <p:stCondLst>
+                        <p:cond delay="indefinite"/>
+                        <p:cond evt="onBegin" delay="0">
+                          <p:tn val="2"/>
+                        </p:cond>
+                      </p:stCondLst>
+                      <p:childTnLst>
+                        <p:par>
+                          <p:cTn id="4" fill="hold">
+                            <p:stCondLst>
+                              <p:cond delay="0"/>
+                            </p:stCondLst>
+                            <p:childTnLst>
+                              <p:par>
+                                <p:cTn id="5" presetID="42" presetClass="entr" presetSubtype="0" fill="hold" grpId="0" nodeType="withEffect">
+                                  <p:stCondLst>
+                                    <p:cond delay="0"/>
+                                  </p:stCondLst>
+                                  <p:childTnLst>
+                                    <p:set>
+                                      <p:cBhvr>
+                                        <p:cTn id="6" dur="1" fill="hold">
+                                          <p:stCondLst>
+                                            <p:cond delay="0"/>
+                                          </p:stCondLst>
+                                        </p:cTn>
+                                        <p:tgtEl>
+                                          <p:spTgt spid="4"/>
+                                        </p:tgtEl>
+                                        <p:attrNameLst>
+                                          <p:attrName>style.visibility</p:attrName>
+                                        </p:attrNameLst>
+                                      </p:cBhvr>
+                                      <p:to>
+                                        <p:strVal val="visible"/>
+                                      </p:to>
+                                    </p:set>
+                                    <p:animEffect transition="in" filter="fade">
+                                      <p:cBhvr>
+                                        <p:cTn id="7" dur="500"/>
+                                        <p:tgtEl>
+                                          <p:spTgt spid="4"/>
+                                        </p:tgtEl>
+                                      </p:cBhvr>
+                                    </p:animEffect>
+                                    <p:anim calcmode="lin" valueType="num">
+                                      <p:cBhvr>
+                                        <p:cTn id="8" dur="500" fill="hold"/>
+                                        <p:tgtEl>
+                                          <p:spTgt spid="4"/>
+                                        </p:tgtEl>
+                                        <p:attrNameLst>
+                                          <p:attrName>ppt_x</p:attrName>
+                                        </p:attrNameLst>
+                                      </p:cBhvr>
+                                      <p:tavLst>
+                                        <p:tav tm="0">
+                                          <p:val>
+                                            <p:strVal val="#ppt_x"/>
+                                          </p:val>
+                                        </p:tav>
+                                        <p:tav tm="100000">
+                                          <p:val>
+                                            <p:strVal val="#ppt_x"/>
+                                          </p:val>
+                                        </p:tav>
+                                      </p:tavLst>
+                                    </p:anim>
+                                    <p:anim calcmode="lin" valueType="num">
+                                      <p:cBhvr>
+                                        <p:cTn id="9" dur="500" fill="hold"/>
+                                        <p:tgtEl>
+                                          <p:spTgt spid="4"/>
+                                        </p:tgtEl>
+                                        <p:attrNameLst>
+                                          <p:attrName>ppt_y</p:attrName>
+                                        </p:attrNameLst>
+                                      </p:cBhvr>
+                                      <p:tavLst>
+                                        <p:tav tm="0">
+                                          <p:val>
+                                            <p:strVal val="#ppt_y+.1"/>
+                                          </p:val>
+                                        </p:tav>
+                                        <p:tav tm="100000">
+                                          <p:val>
+                                            <p:strVal val="#ppt_y"/>
+                                          </p:val>
+                                        </p:tav>
+                                      </p:tavLst>
+                                    </p:anim>
+                                  </p:childTnLst>
+                                </p:cTn>
+                              </p:par>
+                              <p:par>
+                                <p:cTn id="10" presetID="42" presetClass="entr" presetSubtype="0" fill="hold" grpId="0" nodeType="withEffect">
+                                  <p:stCondLst>
+                                    <p:cond delay="0"/>
+                                  </p:stCondLst>
+                                  <p:childTnLst>
+                                    <p:set>
+                                      <p:cBhvr>
+                                        <p:cTn id="11" dur="1" fill="hold">
+                                          <p:stCondLst>
+                                            <p:cond delay="0"/>
+                                          </p:stCondLst>
+                                        </p:cTn>
+                                        <p:tgtEl>
+                                          <p:spTgt spid="5"/>
+                                        </p:tgtEl>
+                                        <p:attrNameLst>
+                                          <p:attrName>style.visibility</p:attrName>
+                                        </p:attrNameLst>
+                                      </p:cBhvr>
+                                      <p:to>
+                                        <p:strVal val="visible"/>
+                                      </p:to>
+                                    </p:set>
+                                    <p:animEffect transition="in" filter="fade">
+                                      <p:cBhvr>
+                                        <p:cTn id="12" dur="500"/>
+                                        <p:tgtEl>
+                                          <p:spTgt spid="5"/>
+                                        </p:tgtEl>
+                                      </p:cBhvr>
+                                    </p:animEffect>
+                                    <p:anim calcmode="lin" valueType="num">
+                                      <p:cBhvr>
+                                        <p:cTn id="13" dur="500" fill="hold"/>
+                                        <p:tgtEl>
+                                          <p:spTgt spid="5"/>
+                                        </p:tgtEl>
+                                        <p:attrNameLst>
+                                          <p:attrName>ppt_x</p:attrName>
+                                        </p:attrNameLst>
+                                      </p:cBhvr>
+                                      <p:tavLst>
+                                        <p:tav tm="0">
+                                          <p:val>
+                                            <p:strVal val="#ppt_x"/>
+                                          </p:val>
+                                        </p:tav>
+                                        <p:tav tm="100000">
+                                          <p:val>
+                                            <p:strVal val="#ppt_x"/>
+                                          </p:val>
+                                        </p:tav>
+                                      </p:tavLst>
+                                    </p:anim>
+                                    <p:anim calcmode="lin" valueType="num">
+                                      <p:cBhvr>
+                                        <p:cTn id="14" dur="500" fill="hold"/>
+                                        <p:tgtEl>
+                                          <p:spTgt spid="5"/>
+                                        </p:tgtEl>
+                                        <p:attrNameLst>
+                                          <p:attrName>ppt_y</p:attrName>
+                                        </p:attrNameLst>
+                                      </p:cBhvr>
+                                      <p:tavLst>
+                                        <p:tav tm="0">
+                                          <p:val>
+                                            <p:strVal val="#ppt_y+.1"/>
+                                          </p:val>
+                                        </p:tav>
+                                        <p:tav tm="100000">
+                                          <p:val>
+                                            <p:strVal val="#ppt_y"/>
+                                          </p:val>
+                                        </p:tav>
+                                      </p:tavLst>
+                                    </p:anim>
+                                  </p:childTnLst>
+                                </p:cTn>
+                              </p:par>
+                              <p:par>
+                                <p:cTn id="15" presetID="42" presetClass="entr" presetSubtype="0" fill="hold" grpId="0" nodeType="withEffect">
+                                  <p:stCondLst>
+                                    <p:cond delay="0"/>
+                                  </p:stCondLst>
+                                  <p:childTnLst>
+                                    <p:set>
+                                      <p:cBhvr>
+                                        <p:cTn id="16" dur="1" fill="hold">
+                                          <p:stCondLst>
+                                            <p:cond delay="0"/>
+                                          </p:stCondLst>
+                                        </p:cTn>
+                                        <p:tgtEl>
+                                          <p:spTgt spid="6"/>
+                                        </p:tgtEl>
+                                        <p:attrNameLst>
+                                          <p:attrName>style.visibility</p:attrName>
+                                        </p:attrNameLst>
+                                      </p:cBhvr>
+                                      <p:to>
+                                        <p:strVal val="visible"/>
+                                      </p:to>
+                                    </p:set>
+                                    <p:animEffect transition="in" filter="fade">
+                                      <p:cBhvr>
+                                        <p:cTn id="17" dur="500"/>
+                                        <p:tgtEl>
+                                          <p:spTgt spid="6"/>
+                                        </p:tgtEl>
+                                      </p:cBhvr>
+                                    </p:animEffect>
+                                    <p:anim calcmode="lin" valueType="num">
+                                      <p:cBhvr>
+                                        <p:cTn id="18" dur="500" fill="hold"/>
+                                        <p:tgtEl>
+                                          <p:spTgt spid="6"/>
+                                        </p:tgtEl>
+                                        <p:attrNameLst>
+                                          <p:attrName>ppt_x</p:attrName>
+                                        </p:attrNameLst>
+                                      </p:cBhvr>
+                                      <p:tavLst>
+                                        <p:tav tm="0">
+                                          <p:val>
+                                            <p:strVal val="#ppt_x"/>
+                                          </p:val>
+                                        </p:tav>
+                                        <p:tav tm="100000">
+                                          <p:val>
+                                            <p:strVal val="#ppt_x"/>
+                                          </p:val>
+                                        </p:tav>
+                                      </p:tavLst>
+                                    </p:anim>
+                                    <p:anim calcmode="lin" valueType="num">
+                                      <p:cBhvr>
+                                        <p:cTn id="19" dur="500" fill="hold"/>
+                                        <p:tgtEl>
+                                          <p:spTgt spid="6"/>
+                                        </p:tgtEl>
+                                        <p:attrNameLst>
+                                          <p:attrName>ppt_y</p:attrName>
+                                        </p:attrNameLst>
+                                      </p:cBhvr>
+                                      <p:tavLst>
+                                        <p:tav tm="0">
+                                          <p:val>
+                                            <p:strVal val="#ppt_y+.1"/>
+                                          </p:val>
+                                        </p:tav>
+                                        <p:tav tm="100000">
+                                          <p:val>
+                                            <p:strVal val="#ppt_y"/>
+                                          </p:val>
+                                        </p:tav>
+                                      </p:tavLst>
+                                    </p:anim>
+                                  </p:childTnLst>
+                                </p:cTn>
+                              </p:par>
+                            </p:childTnLst>
+                          </p:cTn>
+                        </p:par>
+                      </p:childTnLst>
+                    </p:cTn>
+                  </p:par>
+                  <p:par>
+                    <p:cTn id="20" fill="hold">
+                      <p:stCondLst>
+                        <p:cond delay="indefinite"/>
+                      </p:stCondLst>
+                      <p:childTnLst>
+                        <p:par>
+                          <p:cTn id="21" fill="hold">
+                            <p:stCondLst>
+                              <p:cond delay="0"/>
+                            </p:stCondLst>
+                            <p:childTnLst>
+                              <p:par>
+                                <p:cTn id="22" presetID="42" presetClass="entr" presetSubtype="0" fill="hold" grpId="0" nodeType="clickEffect">
+                                  <p:stCondLst>
+                                    <p:cond delay="0"/>
+                                  </p:stCondLst>
+                                  <p:childTnLst>
+                                    <p:set>
+                                      <p:cBhvr>
+                                        <p:cTn id="23" dur="1" fill="hold">
+                                          <p:stCondLst>
+                                            <p:cond delay="0"/>
+                                          </p:stCondLst>
+                                        </p:cTn>
+                                        <p:tgtEl>
+                                          <p:spTgt spid="7"/>
+                                        </p:tgtEl>
+                                        <p:attrNameLst>
+                                          <p:attrName>style.visibility</p:attrName>
+                                        </p:attrNameLst>
+                                      </p:cBhvr>
+                                      <p:to>
+                                        <p:strVal val="visible"/>
+                                      </p:to>
+                                    </p:set>
+                                    <p:animEffect transition="in" filter="fade">
+                                      <p:cBhvr>
+                                        <p:cTn id="24" dur="1000"/>
+                                        <p:tgtEl>
+                                          <p:spTgt spid="7"/>
+                                        </p:tgtEl>
+                                      </p:cBhvr>
+                                    </p:animEffect>
+                                    <p:anim calcmode="lin" valueType="num">
+                                      <p:cBhvr>
+                                        <p:cTn id="25" dur="1000" fill="hold"/>
+                                        <p:tgtEl>
+                                          <p:spTgt spid="7"/>
+                                        </p:tgtEl>
+                                        <p:attrNameLst>
+                                          <p:attrName>ppt_x</p:attrName>
+                                        </p:attrNameLst>
+                                      </p:cBhvr>
+                                      <p:tavLst>
+                                        <p:tav tm="0">
+                                          <p:val>
+                                            <p:strVal val="#ppt_x"/>
+                                          </p:val>
+                                        </p:tav>
+                                        <p:tav tm="100000">
+                                          <p:val>
+                                            <p:strVal val="#ppt_x"/>
+                                          </p:val>
+                                        </p:tav>
+                                      </p:tavLst>
+                                    </p:anim>
+                                    <p:anim calcmode="lin" valueType="num">
+                                      <p:cBhvr>
+                                        <p:cTn id="26" dur="1000" fill="hold"/>
+                                        <p:tgtEl>
+                                          <p:spTgt spid="7"/>
+                                        </p:tgtEl>
+                                        <p:attrNameLst>
+                                          <p:attrName>ppt_y</p:attrName>
+                                        </p:attrNameLst>
+                                      </p:cBhvr>
+                                      <p:tavLst>
+                                        <p:tav tm="0">
+                                          <p:val>
+                                            <p:strVal val="#ppt_y+.1"/>
+                                          </p:val>
+                                        </p:tav>
+                                        <p:tav tm="100000">
+                                          <p:val>
+                                            <p:strVal val="#ppt_y"/>
+                                          </p:val>
+                                        </p:tav>
+                                      </p:tavLst>
+                                    </p:anim>
+                                  </p:childTnLst>
+                                </p:cTn>
+                              </p:par>
+                              <p:par>
+                                <p:cTn id="27" presetID="42" presetClass="entr" presetSubtype="0" fill="hold" grpId="0" nodeType="withEffect">
+                                  <p:stCondLst>
+                                    <p:cond delay="0"/>
+                                  </p:stCondLst>
+                                  <p:childTnLst>
+                                    <p:set>
+                                      <p:cBhvr>
+                                        <p:cTn id="28" dur="1" fill="hold">
+                                          <p:stCondLst>
+                                            <p:cond delay="0"/>
+                                          </p:stCondLst>
+                                        </p:cTn>
+                                        <p:tgtEl>
+                                          <p:spTgt spid="9"/>
+                                        </p:tgtEl>
+                                        <p:attrNameLst>
+                                          <p:attrName>style.visibility</p:attrName>
+                                        </p:attrNameLst>
+                                      </p:cBhvr>
+                                      <p:to>
+                                        <p:strVal val="visible"/>
+                                      </p:to>
+                                    </p:set>
+                                    <p:animEffect transition="in" filter="fade">
+                                      <p:cBhvr>
+                                        <p:cTn id="29" dur="1000"/>
+                                        <p:tgtEl>
+                                          <p:spTgt spid="9"/>
+                                        </p:tgtEl>
+                                      </p:cBhvr>
+                                    </p:animEffect>
+                                    <p:anim calcmode="lin" valueType="num">
+                                      <p:cBhvr>
+                                        <p:cTn id="30" dur="1000" fill="hold"/>
+                                        <p:tgtEl>
+                                          <p:spTgt spid="9"/>
+                                        </p:tgtEl>
+                                        <p:attrNameLst>
+                                          <p:attrName>ppt_x</p:attrName>
+                                        </p:attrNameLst>
+                                      </p:cBhvr>
+                                      <p:tavLst>
+                                        <p:tav tm="0">
+                                          <p:val>
+                                            <p:strVal val="#ppt_x"/>
+                                          </p:val>
+                                        </p:tav>
+                                        <p:tav tm="100000">
+                                          <p:val>
+                                            <p:strVal val="#ppt_x"/>
+                                          </p:val>
+                                        </p:tav>
+                                      </p:tavLst>
+                                    </p:anim>
+                                    <p:anim calcmode="lin" valueType="num">
+                                      <p:cBhvr>
+                                        <p:cTn id="31" dur="1000" fill="hold"/>
+                                        <p:tgtEl>
+                                          <p:spTgt spid="9"/>
+                                        </p:tgtEl>
+                                        <p:attrNameLst>
+                                          <p:attrName>ppt_y</p:attrName>
+                                        </p:attrNameLst>
+                                      </p:cBhvr>
+                                      <p:tavLst>
+                                        <p:tav tm="0">
+                                          <p:val>
+                                            <p:strVal val="#ppt_y+.1"/>
+                                          </p:val>
+                                        </p:tav>
+                                        <p:tav tm="100000">
+                                          <p:val>
+                                            <p:strVal val="#ppt_y"/>
+                                          </p:val>
+                                        </p:tav>
+                                      </p:tavLst>
+                                    </p:anim>
+                                  </p:childTnLst>
+                                </p:cTn>
+                              </p:par>
+                              <p:par>
+                                <p:cTn id="32" presetID="42" presetClass="entr" presetSubtype="0" fill="hold" grpId="0" nodeType="withEffect">
+                                  <p:stCondLst>
+                                    <p:cond delay="0"/>
+                                  </p:stCondLst>
+                                  <p:childTnLst>
+                                    <p:set>
+                                      <p:cBhvr>
+                                        <p:cTn id="33" dur="1" fill="hold">
+                                          <p:stCondLst>
+                                            <p:cond delay="0"/>
+                                          </p:stCondLst>
+                                        </p:cTn>
+                                        <p:tgtEl>
+                                          <p:spTgt spid="10"/>
+                                        </p:tgtEl>
+                                        <p:attrNameLst>
+                                          <p:attrName>style.visibility</p:attrName>
+                                        </p:attrNameLst>
+                                      </p:cBhvr>
+                                      <p:to>
+                                        <p:strVal val="visible"/>
+                                      </p:to>
+                                    </p:set>
+                                    <p:animEffect transition="in" filter="fade">
+                                      <p:cBhvr>
+                                        <p:cTn id="34" dur="1000"/>
+                                        <p:tgtEl>
+                                          <p:spTgt spid="10"/>
+                                        </p:tgtEl>
+                                      </p:cBhvr>
+                                    </p:animEffect>
+                                    <p:anim calcmode="lin" valueType="num">
+                                      <p:cBhvr>
+                                        <p:cTn id="35" dur="1000" fill="hold"/>
+                                        <p:tgtEl>
+                                          <p:spTgt spid="10"/>
+                                        </p:tgtEl>
+                                        <p:attrNameLst>
+                                          <p:attrName>ppt_x</p:attrName>
+                                        </p:attrNameLst>
+                                      </p:cBhvr>
+                                      <p:tavLst>
+                                        <p:tav tm="0">
+                                          <p:val>
+                                            <p:strVal val="#ppt_x"/>
+                                          </p:val>
+                                        </p:tav>
+                                        <p:tav tm="100000">
+                                          <p:val>
+                                            <p:strVal val="#ppt_x"/>
+                                          </p:val>
+                                        </p:tav>
+                                      </p:tavLst>
+                                    </p:anim>
+                                    <p:anim calcmode="lin" valueType="num">
+                                      <p:cBhvr>
+                                        <p:cTn id="36" dur="1000" fill="hold"/>
+                                        <p:tgtEl>
+                                          <p:spTgt spid="10"/>
+                                        </p:tgtEl>
+                                        <p:attrNameLst>
+                                          <p:attrName>ppt_y</p:attrName>
+                                        </p:attrNameLst>
+                                      </p:cBhvr>
+                                      <p:tavLst>
+                                        <p:tav tm="0">
+                                          <p:val>
+                                            <p:strVal val="#ppt_y+.1"/>
+                                          </p:val>
+                                        </p:tav>
+                                        <p:tav tm="100000">
+                                          <p:val>
+                                            <p:strVal val="#ppt_y"/>
+                                          </p:val>
+                                        </p:tav>
+                                      </p:tavLst>
+                                    </p:anim>
+                                  </p:childTnLst>
+                                </p:cTn>
+                              </p:par>
+                            </p:childTnLst>
+                          </p:cTn>
+                        </p:par>
+                      </p:childTnLst>
+                    </p:cTn>
+                  </p:par>
+                </p:childTnLst>
+              </p:cTn>
+              <p:prevCondLst>
+                <p:cond evt="onPrev" delay="0">
+                  <p:tgtEl>
+                    <p:sldTgt/>
+                  </p:tgtEl>
+                </p:cond>
+              </p:prevCondLst>
+              <p:nextCondLst>
+                <p:cond evt="onNext" delay="0">
+                  <p:tgtEl>
+                    <p:sldTgt/>
+                  </p:tgtEl>
+                </p:cond>
+              </p:nextCondLst>
+            </p:seq>
+          </p:childTnLst>
+        </p:cTn>
+      </p:par>
+    </p:tnLst>
+    <p:bldLst>
+      <p:bldP spid="4" grpId="0"/>
+      <p:bldP spid="5" grpId="0"/>
+      <p:bldP spid="6" grpId="0"/>
+      <p:bldP spid="7" grpId="0"/>
+      <p:bldP spid="9" grpId="0"/>
+      <p:bldP spid="10" grpId="0"/>
+    </p:bldLst>
+  </p:timing>
 </p:sld>
 </file>
 
@@ -6336,6 +9560,405 @@
   <p:clrMapOvr>
     <a:masterClrMapping/>
   </p:clrMapOvr>
+  <p:timing>
+    <p:tnLst>
+      <p:par>
+        <p:cTn id="1" dur="indefinite" restart="never" nodeType="tmRoot">
+          <p:childTnLst>
+            <p:seq concurrent="1" nextAc="seek">
+              <p:cTn id="2" dur="indefinite" nodeType="mainSeq">
+                <p:childTnLst>
+                  <p:par>
+                    <p:cTn id="3" fill="hold">
+                      <p:stCondLst>
+                        <p:cond delay="indefinite"/>
+                        <p:cond evt="onBegin" delay="0">
+                          <p:tn val="2"/>
+                        </p:cond>
+                      </p:stCondLst>
+                      <p:childTnLst>
+                        <p:par>
+                          <p:cTn id="4" fill="hold">
+                            <p:stCondLst>
+                              <p:cond delay="0"/>
+                            </p:stCondLst>
+                            <p:childTnLst>
+                              <p:par>
+                                <p:cTn id="5" presetID="42" presetClass="entr" presetSubtype="0" fill="hold" grpId="0" nodeType="afterEffect">
+                                  <p:stCondLst>
+                                    <p:cond delay="0"/>
+                                  </p:stCondLst>
+                                  <p:childTnLst>
+                                    <p:set>
+                                      <p:cBhvr>
+                                        <p:cTn id="6" dur="1" fill="hold">
+                                          <p:stCondLst>
+                                            <p:cond delay="0"/>
+                                          </p:stCondLst>
+                                        </p:cTn>
+                                        <p:tgtEl>
+                                          <p:spTgt spid="4"/>
+                                        </p:tgtEl>
+                                        <p:attrNameLst>
+                                          <p:attrName>style.visibility</p:attrName>
+                                        </p:attrNameLst>
+                                      </p:cBhvr>
+                                      <p:to>
+                                        <p:strVal val="visible"/>
+                                      </p:to>
+                                    </p:set>
+                                    <p:animEffect transition="in" filter="fade">
+                                      <p:cBhvr>
+                                        <p:cTn id="7" dur="750"/>
+                                        <p:tgtEl>
+                                          <p:spTgt spid="4"/>
+                                        </p:tgtEl>
+                                      </p:cBhvr>
+                                    </p:animEffect>
+                                    <p:anim calcmode="lin" valueType="num">
+                                      <p:cBhvr>
+                                        <p:cTn id="8" dur="750" fill="hold"/>
+                                        <p:tgtEl>
+                                          <p:spTgt spid="4"/>
+                                        </p:tgtEl>
+                                        <p:attrNameLst>
+                                          <p:attrName>ppt_x</p:attrName>
+                                        </p:attrNameLst>
+                                      </p:cBhvr>
+                                      <p:tavLst>
+                                        <p:tav tm="0">
+                                          <p:val>
+                                            <p:strVal val="#ppt_x"/>
+                                          </p:val>
+                                        </p:tav>
+                                        <p:tav tm="100000">
+                                          <p:val>
+                                            <p:strVal val="#ppt_x"/>
+                                          </p:val>
+                                        </p:tav>
+                                      </p:tavLst>
+                                    </p:anim>
+                                    <p:anim calcmode="lin" valueType="num">
+                                      <p:cBhvr>
+                                        <p:cTn id="9" dur="750" fill="hold"/>
+                                        <p:tgtEl>
+                                          <p:spTgt spid="4"/>
+                                        </p:tgtEl>
+                                        <p:attrNameLst>
+                                          <p:attrName>ppt_y</p:attrName>
+                                        </p:attrNameLst>
+                                      </p:cBhvr>
+                                      <p:tavLst>
+                                        <p:tav tm="0">
+                                          <p:val>
+                                            <p:strVal val="#ppt_y+.1"/>
+                                          </p:val>
+                                        </p:tav>
+                                        <p:tav tm="100000">
+                                          <p:val>
+                                            <p:strVal val="#ppt_y"/>
+                                          </p:val>
+                                        </p:tav>
+                                      </p:tavLst>
+                                    </p:anim>
+                                  </p:childTnLst>
+                                </p:cTn>
+                              </p:par>
+                            </p:childTnLst>
+                          </p:cTn>
+                        </p:par>
+                        <p:par>
+                          <p:cTn id="10" fill="hold">
+                            <p:stCondLst>
+                              <p:cond delay="750"/>
+                            </p:stCondLst>
+                            <p:childTnLst>
+                              <p:par>
+                                <p:cTn id="11" presetID="42" presetClass="entr" presetSubtype="0" fill="hold" grpId="0" nodeType="afterEffect">
+                                  <p:stCondLst>
+                                    <p:cond delay="0"/>
+                                  </p:stCondLst>
+                                  <p:childTnLst>
+                                    <p:set>
+                                      <p:cBhvr>
+                                        <p:cTn id="12" dur="1" fill="hold">
+                                          <p:stCondLst>
+                                            <p:cond delay="0"/>
+                                          </p:stCondLst>
+                                        </p:cTn>
+                                        <p:tgtEl>
+                                          <p:spTgt spid="5"/>
+                                        </p:tgtEl>
+                                        <p:attrNameLst>
+                                          <p:attrName>style.visibility</p:attrName>
+                                        </p:attrNameLst>
+                                      </p:cBhvr>
+                                      <p:to>
+                                        <p:strVal val="visible"/>
+                                      </p:to>
+                                    </p:set>
+                                    <p:animEffect transition="in" filter="fade">
+                                      <p:cBhvr>
+                                        <p:cTn id="13" dur="500"/>
+                                        <p:tgtEl>
+                                          <p:spTgt spid="5"/>
+                                        </p:tgtEl>
+                                      </p:cBhvr>
+                                    </p:animEffect>
+                                    <p:anim calcmode="lin" valueType="num">
+                                      <p:cBhvr>
+                                        <p:cTn id="14" dur="500" fill="hold"/>
+                                        <p:tgtEl>
+                                          <p:spTgt spid="5"/>
+                                        </p:tgtEl>
+                                        <p:attrNameLst>
+                                          <p:attrName>ppt_x</p:attrName>
+                                        </p:attrNameLst>
+                                      </p:cBhvr>
+                                      <p:tavLst>
+                                        <p:tav tm="0">
+                                          <p:val>
+                                            <p:strVal val="#ppt_x"/>
+                                          </p:val>
+                                        </p:tav>
+                                        <p:tav tm="100000">
+                                          <p:val>
+                                            <p:strVal val="#ppt_x"/>
+                                          </p:val>
+                                        </p:tav>
+                                      </p:tavLst>
+                                    </p:anim>
+                                    <p:anim calcmode="lin" valueType="num">
+                                      <p:cBhvr>
+                                        <p:cTn id="15" dur="500" fill="hold"/>
+                                        <p:tgtEl>
+                                          <p:spTgt spid="5"/>
+                                        </p:tgtEl>
+                                        <p:attrNameLst>
+                                          <p:attrName>ppt_y</p:attrName>
+                                        </p:attrNameLst>
+                                      </p:cBhvr>
+                                      <p:tavLst>
+                                        <p:tav tm="0">
+                                          <p:val>
+                                            <p:strVal val="#ppt_y+.1"/>
+                                          </p:val>
+                                        </p:tav>
+                                        <p:tav tm="100000">
+                                          <p:val>
+                                            <p:strVal val="#ppt_y"/>
+                                          </p:val>
+                                        </p:tav>
+                                      </p:tavLst>
+                                    </p:anim>
+                                  </p:childTnLst>
+                                </p:cTn>
+                              </p:par>
+                            </p:childTnLst>
+                          </p:cTn>
+                        </p:par>
+                        <p:par>
+                          <p:cTn id="16" fill="hold">
+                            <p:stCondLst>
+                              <p:cond delay="1250"/>
+                            </p:stCondLst>
+                            <p:childTnLst>
+                              <p:par>
+                                <p:cTn id="17" presetID="42" presetClass="entr" presetSubtype="0" fill="hold" grpId="0" nodeType="afterEffect">
+                                  <p:stCondLst>
+                                    <p:cond delay="0"/>
+                                  </p:stCondLst>
+                                  <p:childTnLst>
+                                    <p:set>
+                                      <p:cBhvr>
+                                        <p:cTn id="18" dur="1" fill="hold">
+                                          <p:stCondLst>
+                                            <p:cond delay="0"/>
+                                          </p:stCondLst>
+                                        </p:cTn>
+                                        <p:tgtEl>
+                                          <p:spTgt spid="6"/>
+                                        </p:tgtEl>
+                                        <p:attrNameLst>
+                                          <p:attrName>style.visibility</p:attrName>
+                                        </p:attrNameLst>
+                                      </p:cBhvr>
+                                      <p:to>
+                                        <p:strVal val="visible"/>
+                                      </p:to>
+                                    </p:set>
+                                    <p:animEffect transition="in" filter="fade">
+                                      <p:cBhvr>
+                                        <p:cTn id="19" dur="500"/>
+                                        <p:tgtEl>
+                                          <p:spTgt spid="6"/>
+                                        </p:tgtEl>
+                                      </p:cBhvr>
+                                    </p:animEffect>
+                                    <p:anim calcmode="lin" valueType="num">
+                                      <p:cBhvr>
+                                        <p:cTn id="20" dur="500" fill="hold"/>
+                                        <p:tgtEl>
+                                          <p:spTgt spid="6"/>
+                                        </p:tgtEl>
+                                        <p:attrNameLst>
+                                          <p:attrName>ppt_x</p:attrName>
+                                        </p:attrNameLst>
+                                      </p:cBhvr>
+                                      <p:tavLst>
+                                        <p:tav tm="0">
+                                          <p:val>
+                                            <p:strVal val="#ppt_x"/>
+                                          </p:val>
+                                        </p:tav>
+                                        <p:tav tm="100000">
+                                          <p:val>
+                                            <p:strVal val="#ppt_x"/>
+                                          </p:val>
+                                        </p:tav>
+                                      </p:tavLst>
+                                    </p:anim>
+                                    <p:anim calcmode="lin" valueType="num">
+                                      <p:cBhvr>
+                                        <p:cTn id="21" dur="500" fill="hold"/>
+                                        <p:tgtEl>
+                                          <p:spTgt spid="6"/>
+                                        </p:tgtEl>
+                                        <p:attrNameLst>
+                                          <p:attrName>ppt_y</p:attrName>
+                                        </p:attrNameLst>
+                                      </p:cBhvr>
+                                      <p:tavLst>
+                                        <p:tav tm="0">
+                                          <p:val>
+                                            <p:strVal val="#ppt_y+.1"/>
+                                          </p:val>
+                                        </p:tav>
+                                        <p:tav tm="100000">
+                                          <p:val>
+                                            <p:strVal val="#ppt_y"/>
+                                          </p:val>
+                                        </p:tav>
+                                      </p:tavLst>
+                                    </p:anim>
+                                  </p:childTnLst>
+                                </p:cTn>
+                              </p:par>
+                              <p:par>
+                                <p:cTn id="22" presetID="42" presetClass="entr" presetSubtype="0" fill="hold" grpId="0" nodeType="withEffect">
+                                  <p:stCondLst>
+                                    <p:cond delay="0"/>
+                                  </p:stCondLst>
+                                  <p:childTnLst>
+                                    <p:set>
+                                      <p:cBhvr>
+                                        <p:cTn id="23" dur="1" fill="hold">
+                                          <p:stCondLst>
+                                            <p:cond delay="0"/>
+                                          </p:stCondLst>
+                                        </p:cTn>
+                                        <p:tgtEl>
+                                          <p:spTgt spid="7"/>
+                                        </p:tgtEl>
+                                        <p:attrNameLst>
+                                          <p:attrName>style.visibility</p:attrName>
+                                        </p:attrNameLst>
+                                      </p:cBhvr>
+                                      <p:to>
+                                        <p:strVal val="visible"/>
+                                      </p:to>
+                                    </p:set>
+                                    <p:animEffect transition="in" filter="fade">
+                                      <p:cBhvr>
+                                        <p:cTn id="24" dur="500"/>
+                                        <p:tgtEl>
+                                          <p:spTgt spid="7"/>
+                                        </p:tgtEl>
+                                      </p:cBhvr>
+                                    </p:animEffect>
+                                    <p:anim calcmode="lin" valueType="num">
+                                      <p:cBhvr>
+                                        <p:cTn id="25" dur="500" fill="hold"/>
+                                        <p:tgtEl>
+                                          <p:spTgt spid="7"/>
+                                        </p:tgtEl>
+                                        <p:attrNameLst>
+                                          <p:attrName>ppt_x</p:attrName>
+                                        </p:attrNameLst>
+                                      </p:cBhvr>
+                                      <p:tavLst>
+                                        <p:tav tm="0">
+                                          <p:val>
+                                            <p:strVal val="#ppt_x"/>
+                                          </p:val>
+                                        </p:tav>
+                                        <p:tav tm="100000">
+                                          <p:val>
+                                            <p:strVal val="#ppt_x"/>
+                                          </p:val>
+                                        </p:tav>
+                                      </p:tavLst>
+                                    </p:anim>
+                                    <p:anim calcmode="lin" valueType="num">
+                                      <p:cBhvr>
+                                        <p:cTn id="26" dur="500" fill="hold"/>
+                                        <p:tgtEl>
+                                          <p:spTgt spid="7"/>
+                                        </p:tgtEl>
+                                        <p:attrNameLst>
+                                          <p:attrName>ppt_y</p:attrName>
+                                        </p:attrNameLst>
+                                      </p:cBhvr>
+                                      <p:tavLst>
+                                        <p:tav tm="0">
+                                          <p:val>
+                                            <p:strVal val="#ppt_y+.1"/>
+                                          </p:val>
+                                        </p:tav>
+                                        <p:tav tm="100000">
+                                          <p:val>
+                                            <p:strVal val="#ppt_y"/>
+                                          </p:val>
+                                        </p:tav>
+                                      </p:tavLst>
+                                    </p:anim>
+                                  </p:childTnLst>
+                                </p:cTn>
+                              </p:par>
+                            </p:childTnLst>
+                          </p:cTn>
+                        </p:par>
+                      </p:childTnLst>
+                    </p:cTn>
+                  </p:par>
+                </p:childTnLst>
+              </p:cTn>
+              <p:prevCondLst>
+                <p:cond evt="onPrev" delay="0">
+                  <p:tgtEl>
+                    <p:sldTgt/>
+                  </p:tgtEl>
+                </p:cond>
+              </p:prevCondLst>
+              <p:nextCondLst>
+                <p:cond evt="onNext" delay="0">
+                  <p:tgtEl>
+                    <p:sldTgt/>
+                  </p:tgtEl>
+                </p:cond>
+              </p:nextCondLst>
+            </p:seq>
+          </p:childTnLst>
+        </p:cTn>
+      </p:par>
+    </p:tnLst>
+    <p:bldLst>
+      <p:bldP spid="4" grpId="0"/>
+      <p:bldP spid="5" grpId="0"/>
+      <p:bldP spid="6" grpId="0"/>
+      <p:bldP spid="7" grpId="0"/>
+    </p:bldLst>
+  </p:timing>
 </p:sld>
 </file>
 
@@ -6862,6 +10485,742 @@
   <p:clrMapOvr>
     <a:masterClrMapping/>
   </p:clrMapOvr>
+  <p:timing>
+    <p:tnLst>
+      <p:par>
+        <p:cTn id="1" dur="indefinite" restart="never" nodeType="tmRoot">
+          <p:childTnLst>
+            <p:seq concurrent="1" nextAc="seek">
+              <p:cTn id="2" dur="indefinite" nodeType="mainSeq">
+                <p:childTnLst>
+                  <p:par>
+                    <p:cTn id="3" fill="hold">
+                      <p:stCondLst>
+                        <p:cond delay="indefinite"/>
+                        <p:cond evt="onBegin" delay="0">
+                          <p:tn val="2"/>
+                        </p:cond>
+                      </p:stCondLst>
+                      <p:childTnLst>
+                        <p:par>
+                          <p:cTn id="4" fill="hold">
+                            <p:stCondLst>
+                              <p:cond delay="0"/>
+                            </p:stCondLst>
+                            <p:childTnLst>
+                              <p:par>
+                                <p:cTn id="5" presetID="42" presetClass="entr" presetSubtype="0" fill="hold" grpId="0" nodeType="withEffect">
+                                  <p:stCondLst>
+                                    <p:cond delay="0"/>
+                                  </p:stCondLst>
+                                  <p:childTnLst>
+                                    <p:set>
+                                      <p:cBhvr>
+                                        <p:cTn id="6" dur="1" fill="hold">
+                                          <p:stCondLst>
+                                            <p:cond delay="0"/>
+                                          </p:stCondLst>
+                                        </p:cTn>
+                                        <p:tgtEl>
+                                          <p:spTgt spid="6"/>
+                                        </p:tgtEl>
+                                        <p:attrNameLst>
+                                          <p:attrName>style.visibility</p:attrName>
+                                        </p:attrNameLst>
+                                      </p:cBhvr>
+                                      <p:to>
+                                        <p:strVal val="visible"/>
+                                      </p:to>
+                                    </p:set>
+                                    <p:animEffect transition="in" filter="fade">
+                                      <p:cBhvr>
+                                        <p:cTn id="7" dur="500"/>
+                                        <p:tgtEl>
+                                          <p:spTgt spid="6"/>
+                                        </p:tgtEl>
+                                      </p:cBhvr>
+                                    </p:animEffect>
+                                    <p:anim calcmode="lin" valueType="num">
+                                      <p:cBhvr>
+                                        <p:cTn id="8" dur="500" fill="hold"/>
+                                        <p:tgtEl>
+                                          <p:spTgt spid="6"/>
+                                        </p:tgtEl>
+                                        <p:attrNameLst>
+                                          <p:attrName>ppt_x</p:attrName>
+                                        </p:attrNameLst>
+                                      </p:cBhvr>
+                                      <p:tavLst>
+                                        <p:tav tm="0">
+                                          <p:val>
+                                            <p:strVal val="#ppt_x"/>
+                                          </p:val>
+                                        </p:tav>
+                                        <p:tav tm="100000">
+                                          <p:val>
+                                            <p:strVal val="#ppt_x"/>
+                                          </p:val>
+                                        </p:tav>
+                                      </p:tavLst>
+                                    </p:anim>
+                                    <p:anim calcmode="lin" valueType="num">
+                                      <p:cBhvr>
+                                        <p:cTn id="9" dur="500" fill="hold"/>
+                                        <p:tgtEl>
+                                          <p:spTgt spid="6"/>
+                                        </p:tgtEl>
+                                        <p:attrNameLst>
+                                          <p:attrName>ppt_y</p:attrName>
+                                        </p:attrNameLst>
+                                      </p:cBhvr>
+                                      <p:tavLst>
+                                        <p:tav tm="0">
+                                          <p:val>
+                                            <p:strVal val="#ppt_y+.1"/>
+                                          </p:val>
+                                        </p:tav>
+                                        <p:tav tm="100000">
+                                          <p:val>
+                                            <p:strVal val="#ppt_y"/>
+                                          </p:val>
+                                        </p:tav>
+                                      </p:tavLst>
+                                    </p:anim>
+                                  </p:childTnLst>
+                                </p:cTn>
+                              </p:par>
+                              <p:par>
+                                <p:cTn id="10" presetID="42" presetClass="entr" presetSubtype="0" fill="hold" grpId="0" nodeType="withEffect">
+                                  <p:stCondLst>
+                                    <p:cond delay="0"/>
+                                  </p:stCondLst>
+                                  <p:childTnLst>
+                                    <p:set>
+                                      <p:cBhvr>
+                                        <p:cTn id="11" dur="1" fill="hold">
+                                          <p:stCondLst>
+                                            <p:cond delay="0"/>
+                                          </p:stCondLst>
+                                        </p:cTn>
+                                        <p:tgtEl>
+                                          <p:spTgt spid="7"/>
+                                        </p:tgtEl>
+                                        <p:attrNameLst>
+                                          <p:attrName>style.visibility</p:attrName>
+                                        </p:attrNameLst>
+                                      </p:cBhvr>
+                                      <p:to>
+                                        <p:strVal val="visible"/>
+                                      </p:to>
+                                    </p:set>
+                                    <p:animEffect transition="in" filter="fade">
+                                      <p:cBhvr>
+                                        <p:cTn id="12" dur="500"/>
+                                        <p:tgtEl>
+                                          <p:spTgt spid="7"/>
+                                        </p:tgtEl>
+                                      </p:cBhvr>
+                                    </p:animEffect>
+                                    <p:anim calcmode="lin" valueType="num">
+                                      <p:cBhvr>
+                                        <p:cTn id="13" dur="500" fill="hold"/>
+                                        <p:tgtEl>
+                                          <p:spTgt spid="7"/>
+                                        </p:tgtEl>
+                                        <p:attrNameLst>
+                                          <p:attrName>ppt_x</p:attrName>
+                                        </p:attrNameLst>
+                                      </p:cBhvr>
+                                      <p:tavLst>
+                                        <p:tav tm="0">
+                                          <p:val>
+                                            <p:strVal val="#ppt_x"/>
+                                          </p:val>
+                                        </p:tav>
+                                        <p:tav tm="100000">
+                                          <p:val>
+                                            <p:strVal val="#ppt_x"/>
+                                          </p:val>
+                                        </p:tav>
+                                      </p:tavLst>
+                                    </p:anim>
+                                    <p:anim calcmode="lin" valueType="num">
+                                      <p:cBhvr>
+                                        <p:cTn id="14" dur="500" fill="hold"/>
+                                        <p:tgtEl>
+                                          <p:spTgt spid="7"/>
+                                        </p:tgtEl>
+                                        <p:attrNameLst>
+                                          <p:attrName>ppt_y</p:attrName>
+                                        </p:attrNameLst>
+                                      </p:cBhvr>
+                                      <p:tavLst>
+                                        <p:tav tm="0">
+                                          <p:val>
+                                            <p:strVal val="#ppt_y+.1"/>
+                                          </p:val>
+                                        </p:tav>
+                                        <p:tav tm="100000">
+                                          <p:val>
+                                            <p:strVal val="#ppt_y"/>
+                                          </p:val>
+                                        </p:tav>
+                                      </p:tavLst>
+                                    </p:anim>
+                                  </p:childTnLst>
+                                </p:cTn>
+                              </p:par>
+                            </p:childTnLst>
+                          </p:cTn>
+                        </p:par>
+                        <p:par>
+                          <p:cTn id="15" fill="hold">
+                            <p:stCondLst>
+                              <p:cond delay="500"/>
+                            </p:stCondLst>
+                            <p:childTnLst>
+                              <p:par>
+                                <p:cTn id="16" presetID="42" presetClass="entr" presetSubtype="0" fill="hold" grpId="0" nodeType="afterEffect">
+                                  <p:stCondLst>
+                                    <p:cond delay="0"/>
+                                  </p:stCondLst>
+                                  <p:childTnLst>
+                                    <p:set>
+                                      <p:cBhvr>
+                                        <p:cTn id="17" dur="1" fill="hold">
+                                          <p:stCondLst>
+                                            <p:cond delay="0"/>
+                                          </p:stCondLst>
+                                        </p:cTn>
+                                        <p:tgtEl>
+                                          <p:spTgt spid="8"/>
+                                        </p:tgtEl>
+                                        <p:attrNameLst>
+                                          <p:attrName>style.visibility</p:attrName>
+                                        </p:attrNameLst>
+                                      </p:cBhvr>
+                                      <p:to>
+                                        <p:strVal val="visible"/>
+                                      </p:to>
+                                    </p:set>
+                                    <p:animEffect transition="in" filter="fade">
+                                      <p:cBhvr>
+                                        <p:cTn id="18" dur="500"/>
+                                        <p:tgtEl>
+                                          <p:spTgt spid="8"/>
+                                        </p:tgtEl>
+                                      </p:cBhvr>
+                                    </p:animEffect>
+                                    <p:anim calcmode="lin" valueType="num">
+                                      <p:cBhvr>
+                                        <p:cTn id="19" dur="500" fill="hold"/>
+                                        <p:tgtEl>
+                                          <p:spTgt spid="8"/>
+                                        </p:tgtEl>
+                                        <p:attrNameLst>
+                                          <p:attrName>ppt_x</p:attrName>
+                                        </p:attrNameLst>
+                                      </p:cBhvr>
+                                      <p:tavLst>
+                                        <p:tav tm="0">
+                                          <p:val>
+                                            <p:strVal val="#ppt_x"/>
+                                          </p:val>
+                                        </p:tav>
+                                        <p:tav tm="100000">
+                                          <p:val>
+                                            <p:strVal val="#ppt_x"/>
+                                          </p:val>
+                                        </p:tav>
+                                      </p:tavLst>
+                                    </p:anim>
+                                    <p:anim calcmode="lin" valueType="num">
+                                      <p:cBhvr>
+                                        <p:cTn id="20" dur="500" fill="hold"/>
+                                        <p:tgtEl>
+                                          <p:spTgt spid="8"/>
+                                        </p:tgtEl>
+                                        <p:attrNameLst>
+                                          <p:attrName>ppt_y</p:attrName>
+                                        </p:attrNameLst>
+                                      </p:cBhvr>
+                                      <p:tavLst>
+                                        <p:tav tm="0">
+                                          <p:val>
+                                            <p:strVal val="#ppt_y+.1"/>
+                                          </p:val>
+                                        </p:tav>
+                                        <p:tav tm="100000">
+                                          <p:val>
+                                            <p:strVal val="#ppt_y"/>
+                                          </p:val>
+                                        </p:tav>
+                                      </p:tavLst>
+                                    </p:anim>
+                                  </p:childTnLst>
+                                </p:cTn>
+                              </p:par>
+                              <p:par>
+                                <p:cTn id="21" presetID="42" presetClass="entr" presetSubtype="0" fill="hold" grpId="0" nodeType="withEffect">
+                                  <p:stCondLst>
+                                    <p:cond delay="0"/>
+                                  </p:stCondLst>
+                                  <p:childTnLst>
+                                    <p:set>
+                                      <p:cBhvr>
+                                        <p:cTn id="22" dur="1" fill="hold">
+                                          <p:stCondLst>
+                                            <p:cond delay="0"/>
+                                          </p:stCondLst>
+                                        </p:cTn>
+                                        <p:tgtEl>
+                                          <p:spTgt spid="9"/>
+                                        </p:tgtEl>
+                                        <p:attrNameLst>
+                                          <p:attrName>style.visibility</p:attrName>
+                                        </p:attrNameLst>
+                                      </p:cBhvr>
+                                      <p:to>
+                                        <p:strVal val="visible"/>
+                                      </p:to>
+                                    </p:set>
+                                    <p:animEffect transition="in" filter="fade">
+                                      <p:cBhvr>
+                                        <p:cTn id="23" dur="500"/>
+                                        <p:tgtEl>
+                                          <p:spTgt spid="9"/>
+                                        </p:tgtEl>
+                                      </p:cBhvr>
+                                    </p:animEffect>
+                                    <p:anim calcmode="lin" valueType="num">
+                                      <p:cBhvr>
+                                        <p:cTn id="24" dur="500" fill="hold"/>
+                                        <p:tgtEl>
+                                          <p:spTgt spid="9"/>
+                                        </p:tgtEl>
+                                        <p:attrNameLst>
+                                          <p:attrName>ppt_x</p:attrName>
+                                        </p:attrNameLst>
+                                      </p:cBhvr>
+                                      <p:tavLst>
+                                        <p:tav tm="0">
+                                          <p:val>
+                                            <p:strVal val="#ppt_x"/>
+                                          </p:val>
+                                        </p:tav>
+                                        <p:tav tm="100000">
+                                          <p:val>
+                                            <p:strVal val="#ppt_x"/>
+                                          </p:val>
+                                        </p:tav>
+                                      </p:tavLst>
+                                    </p:anim>
+                                    <p:anim calcmode="lin" valueType="num">
+                                      <p:cBhvr>
+                                        <p:cTn id="25" dur="500" fill="hold"/>
+                                        <p:tgtEl>
+                                          <p:spTgt spid="9"/>
+                                        </p:tgtEl>
+                                        <p:attrNameLst>
+                                          <p:attrName>ppt_y</p:attrName>
+                                        </p:attrNameLst>
+                                      </p:cBhvr>
+                                      <p:tavLst>
+                                        <p:tav tm="0">
+                                          <p:val>
+                                            <p:strVal val="#ppt_y+.1"/>
+                                          </p:val>
+                                        </p:tav>
+                                        <p:tav tm="100000">
+                                          <p:val>
+                                            <p:strVal val="#ppt_y"/>
+                                          </p:val>
+                                        </p:tav>
+                                      </p:tavLst>
+                                    </p:anim>
+                                  </p:childTnLst>
+                                </p:cTn>
+                              </p:par>
+                              <p:par>
+                                <p:cTn id="26" presetID="42" presetClass="entr" presetSubtype="0" fill="hold" grpId="0" nodeType="withEffect">
+                                  <p:stCondLst>
+                                    <p:cond delay="0"/>
+                                  </p:stCondLst>
+                                  <p:childTnLst>
+                                    <p:set>
+                                      <p:cBhvr>
+                                        <p:cTn id="27" dur="1" fill="hold">
+                                          <p:stCondLst>
+                                            <p:cond delay="0"/>
+                                          </p:stCondLst>
+                                        </p:cTn>
+                                        <p:tgtEl>
+                                          <p:spTgt spid="10"/>
+                                        </p:tgtEl>
+                                        <p:attrNameLst>
+                                          <p:attrName>style.visibility</p:attrName>
+                                        </p:attrNameLst>
+                                      </p:cBhvr>
+                                      <p:to>
+                                        <p:strVal val="visible"/>
+                                      </p:to>
+                                    </p:set>
+                                    <p:animEffect transition="in" filter="fade">
+                                      <p:cBhvr>
+                                        <p:cTn id="28" dur="500"/>
+                                        <p:tgtEl>
+                                          <p:spTgt spid="10"/>
+                                        </p:tgtEl>
+                                      </p:cBhvr>
+                                    </p:animEffect>
+                                    <p:anim calcmode="lin" valueType="num">
+                                      <p:cBhvr>
+                                        <p:cTn id="29" dur="500" fill="hold"/>
+                                        <p:tgtEl>
+                                          <p:spTgt spid="10"/>
+                                        </p:tgtEl>
+                                        <p:attrNameLst>
+                                          <p:attrName>ppt_x</p:attrName>
+                                        </p:attrNameLst>
+                                      </p:cBhvr>
+                                      <p:tavLst>
+                                        <p:tav tm="0">
+                                          <p:val>
+                                            <p:strVal val="#ppt_x"/>
+                                          </p:val>
+                                        </p:tav>
+                                        <p:tav tm="100000">
+                                          <p:val>
+                                            <p:strVal val="#ppt_x"/>
+                                          </p:val>
+                                        </p:tav>
+                                      </p:tavLst>
+                                    </p:anim>
+                                    <p:anim calcmode="lin" valueType="num">
+                                      <p:cBhvr>
+                                        <p:cTn id="30" dur="500" fill="hold"/>
+                                        <p:tgtEl>
+                                          <p:spTgt spid="10"/>
+                                        </p:tgtEl>
+                                        <p:attrNameLst>
+                                          <p:attrName>ppt_y</p:attrName>
+                                        </p:attrNameLst>
+                                      </p:cBhvr>
+                                      <p:tavLst>
+                                        <p:tav tm="0">
+                                          <p:val>
+                                            <p:strVal val="#ppt_y+.1"/>
+                                          </p:val>
+                                        </p:tav>
+                                        <p:tav tm="100000">
+                                          <p:val>
+                                            <p:strVal val="#ppt_y"/>
+                                          </p:val>
+                                        </p:tav>
+                                      </p:tavLst>
+                                    </p:anim>
+                                  </p:childTnLst>
+                                </p:cTn>
+                              </p:par>
+                            </p:childTnLst>
+                          </p:cTn>
+                        </p:par>
+                        <p:par>
+                          <p:cTn id="31" fill="hold">
+                            <p:stCondLst>
+                              <p:cond delay="1000"/>
+                            </p:stCondLst>
+                            <p:childTnLst>
+                              <p:par>
+                                <p:cTn id="32" presetID="42" presetClass="entr" presetSubtype="0" fill="hold" grpId="0" nodeType="afterEffect">
+                                  <p:stCondLst>
+                                    <p:cond delay="0"/>
+                                  </p:stCondLst>
+                                  <p:childTnLst>
+                                    <p:set>
+                                      <p:cBhvr>
+                                        <p:cTn id="33" dur="1" fill="hold">
+                                          <p:stCondLst>
+                                            <p:cond delay="0"/>
+                                          </p:stCondLst>
+                                        </p:cTn>
+                                        <p:tgtEl>
+                                          <p:spTgt spid="11"/>
+                                        </p:tgtEl>
+                                        <p:attrNameLst>
+                                          <p:attrName>style.visibility</p:attrName>
+                                        </p:attrNameLst>
+                                      </p:cBhvr>
+                                      <p:to>
+                                        <p:strVal val="visible"/>
+                                      </p:to>
+                                    </p:set>
+                                    <p:animEffect transition="in" filter="fade">
+                                      <p:cBhvr>
+                                        <p:cTn id="34" dur="750"/>
+                                        <p:tgtEl>
+                                          <p:spTgt spid="11"/>
+                                        </p:tgtEl>
+                                      </p:cBhvr>
+                                    </p:animEffect>
+                                    <p:anim calcmode="lin" valueType="num">
+                                      <p:cBhvr>
+                                        <p:cTn id="35" dur="750" fill="hold"/>
+                                        <p:tgtEl>
+                                          <p:spTgt spid="11"/>
+                                        </p:tgtEl>
+                                        <p:attrNameLst>
+                                          <p:attrName>ppt_x</p:attrName>
+                                        </p:attrNameLst>
+                                      </p:cBhvr>
+                                      <p:tavLst>
+                                        <p:tav tm="0">
+                                          <p:val>
+                                            <p:strVal val="#ppt_x"/>
+                                          </p:val>
+                                        </p:tav>
+                                        <p:tav tm="100000">
+                                          <p:val>
+                                            <p:strVal val="#ppt_x"/>
+                                          </p:val>
+                                        </p:tav>
+                                      </p:tavLst>
+                                    </p:anim>
+                                    <p:anim calcmode="lin" valueType="num">
+                                      <p:cBhvr>
+                                        <p:cTn id="36" dur="750" fill="hold"/>
+                                        <p:tgtEl>
+                                          <p:spTgt spid="11"/>
+                                        </p:tgtEl>
+                                        <p:attrNameLst>
+                                          <p:attrName>ppt_y</p:attrName>
+                                        </p:attrNameLst>
+                                      </p:cBhvr>
+                                      <p:tavLst>
+                                        <p:tav tm="0">
+                                          <p:val>
+                                            <p:strVal val="#ppt_y+.1"/>
+                                          </p:val>
+                                        </p:tav>
+                                        <p:tav tm="100000">
+                                          <p:val>
+                                            <p:strVal val="#ppt_y"/>
+                                          </p:val>
+                                        </p:tav>
+                                      </p:tavLst>
+                                    </p:anim>
+                                  </p:childTnLst>
+                                </p:cTn>
+                              </p:par>
+                            </p:childTnLst>
+                          </p:cTn>
+                        </p:par>
+                        <p:par>
+                          <p:cTn id="37" fill="hold">
+                            <p:stCondLst>
+                              <p:cond delay="1750"/>
+                            </p:stCondLst>
+                            <p:childTnLst>
+                              <p:par>
+                                <p:cTn id="38" presetID="42" presetClass="entr" presetSubtype="0" fill="hold" grpId="0" nodeType="afterEffect">
+                                  <p:stCondLst>
+                                    <p:cond delay="0"/>
+                                  </p:stCondLst>
+                                  <p:childTnLst>
+                                    <p:set>
+                                      <p:cBhvr>
+                                        <p:cTn id="39" dur="1" fill="hold">
+                                          <p:stCondLst>
+                                            <p:cond delay="0"/>
+                                          </p:stCondLst>
+                                        </p:cTn>
+                                        <p:tgtEl>
+                                          <p:spTgt spid="12"/>
+                                        </p:tgtEl>
+                                        <p:attrNameLst>
+                                          <p:attrName>style.visibility</p:attrName>
+                                        </p:attrNameLst>
+                                      </p:cBhvr>
+                                      <p:to>
+                                        <p:strVal val="visible"/>
+                                      </p:to>
+                                    </p:set>
+                                    <p:animEffect transition="in" filter="fade">
+                                      <p:cBhvr>
+                                        <p:cTn id="40" dur="500"/>
+                                        <p:tgtEl>
+                                          <p:spTgt spid="12"/>
+                                        </p:tgtEl>
+                                      </p:cBhvr>
+                                    </p:animEffect>
+                                    <p:anim calcmode="lin" valueType="num">
+                                      <p:cBhvr>
+                                        <p:cTn id="41" dur="500" fill="hold"/>
+                                        <p:tgtEl>
+                                          <p:spTgt spid="12"/>
+                                        </p:tgtEl>
+                                        <p:attrNameLst>
+                                          <p:attrName>ppt_x</p:attrName>
+                                        </p:attrNameLst>
+                                      </p:cBhvr>
+                                      <p:tavLst>
+                                        <p:tav tm="0">
+                                          <p:val>
+                                            <p:strVal val="#ppt_x"/>
+                                          </p:val>
+                                        </p:tav>
+                                        <p:tav tm="100000">
+                                          <p:val>
+                                            <p:strVal val="#ppt_x"/>
+                                          </p:val>
+                                        </p:tav>
+                                      </p:tavLst>
+                                    </p:anim>
+                                    <p:anim calcmode="lin" valueType="num">
+                                      <p:cBhvr>
+                                        <p:cTn id="42" dur="500" fill="hold"/>
+                                        <p:tgtEl>
+                                          <p:spTgt spid="12"/>
+                                        </p:tgtEl>
+                                        <p:attrNameLst>
+                                          <p:attrName>ppt_y</p:attrName>
+                                        </p:attrNameLst>
+                                      </p:cBhvr>
+                                      <p:tavLst>
+                                        <p:tav tm="0">
+                                          <p:val>
+                                            <p:strVal val="#ppt_y+.1"/>
+                                          </p:val>
+                                        </p:tav>
+                                        <p:tav tm="100000">
+                                          <p:val>
+                                            <p:strVal val="#ppt_y"/>
+                                          </p:val>
+                                        </p:tav>
+                                      </p:tavLst>
+                                    </p:anim>
+                                  </p:childTnLst>
+                                </p:cTn>
+                              </p:par>
+                              <p:par>
+                                <p:cTn id="43" presetID="42" presetClass="entr" presetSubtype="0" fill="hold" grpId="0" nodeType="withEffect">
+                                  <p:stCondLst>
+                                    <p:cond delay="0"/>
+                                  </p:stCondLst>
+                                  <p:childTnLst>
+                                    <p:set>
+                                      <p:cBhvr>
+                                        <p:cTn id="44" dur="1" fill="hold">
+                                          <p:stCondLst>
+                                            <p:cond delay="0"/>
+                                          </p:stCondLst>
+                                        </p:cTn>
+                                        <p:tgtEl>
+                                          <p:spTgt spid="13"/>
+                                        </p:tgtEl>
+                                        <p:attrNameLst>
+                                          <p:attrName>style.visibility</p:attrName>
+                                        </p:attrNameLst>
+                                      </p:cBhvr>
+                                      <p:to>
+                                        <p:strVal val="visible"/>
+                                      </p:to>
+                                    </p:set>
+                                    <p:animEffect transition="in" filter="fade">
+                                      <p:cBhvr>
+                                        <p:cTn id="45" dur="500"/>
+                                        <p:tgtEl>
+                                          <p:spTgt spid="13"/>
+                                        </p:tgtEl>
+                                      </p:cBhvr>
+                                    </p:animEffect>
+                                    <p:anim calcmode="lin" valueType="num">
+                                      <p:cBhvr>
+                                        <p:cTn id="46" dur="500" fill="hold"/>
+                                        <p:tgtEl>
+                                          <p:spTgt spid="13"/>
+                                        </p:tgtEl>
+                                        <p:attrNameLst>
+                                          <p:attrName>ppt_x</p:attrName>
+                                        </p:attrNameLst>
+                                      </p:cBhvr>
+                                      <p:tavLst>
+                                        <p:tav tm="0">
+                                          <p:val>
+                                            <p:strVal val="#ppt_x"/>
+                                          </p:val>
+                                        </p:tav>
+                                        <p:tav tm="100000">
+                                          <p:val>
+                                            <p:strVal val="#ppt_x"/>
+                                          </p:val>
+                                        </p:tav>
+                                      </p:tavLst>
+                                    </p:anim>
+                                    <p:anim calcmode="lin" valueType="num">
+                                      <p:cBhvr>
+                                        <p:cTn id="47" dur="500" fill="hold"/>
+                                        <p:tgtEl>
+                                          <p:spTgt spid="13"/>
+                                        </p:tgtEl>
+                                        <p:attrNameLst>
+                                          <p:attrName>ppt_y</p:attrName>
+                                        </p:attrNameLst>
+                                      </p:cBhvr>
+                                      <p:tavLst>
+                                        <p:tav tm="0">
+                                          <p:val>
+                                            <p:strVal val="#ppt_y+.1"/>
+                                          </p:val>
+                                        </p:tav>
+                                        <p:tav tm="100000">
+                                          <p:val>
+                                            <p:strVal val="#ppt_y"/>
+                                          </p:val>
+                                        </p:tav>
+                                      </p:tavLst>
+                                    </p:anim>
+                                  </p:childTnLst>
+                                </p:cTn>
+                              </p:par>
+                            </p:childTnLst>
+                          </p:cTn>
+                        </p:par>
+                      </p:childTnLst>
+                    </p:cTn>
+                  </p:par>
+                </p:childTnLst>
+              </p:cTn>
+              <p:prevCondLst>
+                <p:cond evt="onPrev" delay="0">
+                  <p:tgtEl>
+                    <p:sldTgt/>
+                  </p:tgtEl>
+                </p:cond>
+              </p:prevCondLst>
+              <p:nextCondLst>
+                <p:cond evt="onNext" delay="0">
+                  <p:tgtEl>
+                    <p:sldTgt/>
+                  </p:tgtEl>
+                </p:cond>
+              </p:nextCondLst>
+            </p:seq>
+          </p:childTnLst>
+        </p:cTn>
+      </p:par>
+    </p:tnLst>
+    <p:bldLst>
+      <p:bldP spid="6" grpId="0"/>
+      <p:bldP spid="7" grpId="0"/>
+      <p:bldP spid="8" grpId="0"/>
+      <p:bldP spid="9" grpId="0"/>
+      <p:bldP spid="10" grpId="0"/>
+      <p:bldP spid="11" grpId="0"/>
+      <p:bldP spid="12" grpId="0"/>
+      <p:bldP spid="13" grpId="0"/>
+    </p:bldLst>
+  </p:timing>
 </p:sld>
 </file>
 
@@ -7176,6 +11535,141 @@
   <p:clrMapOvr>
     <a:masterClrMapping/>
   </p:clrMapOvr>
+  <p:timing>
+    <p:tnLst>
+      <p:par>
+        <p:cTn id="1" dur="indefinite" restart="never" nodeType="tmRoot">
+          <p:childTnLst>
+            <p:seq concurrent="1" nextAc="seek">
+              <p:cTn id="2" dur="indefinite" nodeType="mainSeq">
+                <p:childTnLst>
+                  <p:par>
+                    <p:cTn id="3" fill="hold">
+                      <p:stCondLst>
+                        <p:cond delay="indefinite"/>
+                        <p:cond evt="onBegin" delay="0">
+                          <p:tn val="2"/>
+                        </p:cond>
+                      </p:stCondLst>
+                      <p:childTnLst>
+                        <p:par>
+                          <p:cTn id="4" fill="hold">
+                            <p:stCondLst>
+                              <p:cond delay="0"/>
+                            </p:stCondLst>
+                            <p:childTnLst>
+                              <p:par>
+                                <p:cTn id="5" presetID="42" presetClass="entr" presetSubtype="0" fill="hold" grpId="0" nodeType="withEffect">
+                                  <p:stCondLst>
+                                    <p:cond delay="0"/>
+                                  </p:stCondLst>
+                                  <p:childTnLst>
+                                    <p:set>
+                                      <p:cBhvr>
+                                        <p:cTn id="6" dur="1" fill="hold">
+                                          <p:stCondLst>
+                                            <p:cond delay="0"/>
+                                          </p:stCondLst>
+                                        </p:cTn>
+                                        <p:tgtEl>
+                                          <p:spTgt spid="6"/>
+                                        </p:tgtEl>
+                                        <p:attrNameLst>
+                                          <p:attrName>style.visibility</p:attrName>
+                                        </p:attrNameLst>
+                                      </p:cBhvr>
+                                      <p:to>
+                                        <p:strVal val="visible"/>
+                                      </p:to>
+                                    </p:set>
+                                    <p:animEffect transition="in" filter="fade">
+                                      <p:cBhvr>
+                                        <p:cTn id="7" dur="500"/>
+                                        <p:tgtEl>
+                                          <p:spTgt spid="6"/>
+                                        </p:tgtEl>
+                                      </p:cBhvr>
+                                    </p:animEffect>
+                                    <p:anim calcmode="lin" valueType="num">
+                                      <p:cBhvr>
+                                        <p:cTn id="8" dur="500" fill="hold"/>
+                                        <p:tgtEl>
+                                          <p:spTgt spid="6"/>
+                                        </p:tgtEl>
+                                        <p:attrNameLst>
+                                          <p:attrName>ppt_x</p:attrName>
+                                        </p:attrNameLst>
+                                      </p:cBhvr>
+                                      <p:tavLst>
+                                        <p:tav tm="0">
+                                          <p:val>
+                                            <p:strVal val="#ppt_x"/>
+                                          </p:val>
+                                        </p:tav>
+                                        <p:tav tm="100000">
+                                          <p:val>
+                                            <p:strVal val="#ppt_x"/>
+                                          </p:val>
+                                        </p:tav>
+                                      </p:tavLst>
+                                    </p:anim>
+                                    <p:anim calcmode="lin" valueType="num">
+                                      <p:cBhvr>
+                                        <p:cTn id="9" dur="500" fill="hold"/>
+                                        <p:tgtEl>
+                                          <p:spTgt spid="6"/>
+                                        </p:tgtEl>
+                                        <p:attrNameLst>
+                                          <p:attrName>ppt_y</p:attrName>
+                                        </p:attrNameLst>
+                                      </p:cBhvr>
+                                      <p:tavLst>
+                                        <p:tav tm="0">
+                                          <p:val>
+                                            <p:strVal val="#ppt_y+.1"/>
+                                          </p:val>
+                                        </p:tav>
+                                        <p:tav tm="100000">
+                                          <p:val>
+                                            <p:strVal val="#ppt_y"/>
+                                          </p:val>
+                                        </p:tav>
+                                      </p:tavLst>
+                                    </p:anim>
+                                  </p:childTnLst>
+                                </p:cTn>
+                              </p:par>
+                            </p:childTnLst>
+                          </p:cTn>
+                        </p:par>
+                      </p:childTnLst>
+                    </p:cTn>
+                  </p:par>
+                </p:childTnLst>
+              </p:cTn>
+              <p:prevCondLst>
+                <p:cond evt="onPrev" delay="0">
+                  <p:tgtEl>
+                    <p:sldTgt/>
+                  </p:tgtEl>
+                </p:cond>
+              </p:prevCondLst>
+              <p:nextCondLst>
+                <p:cond evt="onNext" delay="0">
+                  <p:tgtEl>
+                    <p:sldTgt/>
+                  </p:tgtEl>
+                </p:cond>
+              </p:nextCondLst>
+            </p:seq>
+          </p:childTnLst>
+        </p:cTn>
+      </p:par>
+    </p:tnLst>
+    <p:bldLst>
+      <p:bldP spid="6" grpId="0"/>
+    </p:bldLst>
+  </p:timing>
 </p:sld>
 </file>
 
